--- a/presentatie1911.pptx
+++ b/presentatie1911.pptx
@@ -308,7 +308,7 @@
           <a:p>
             <a:fld id="{8BA64E5C-7A80-4AC4-9F4E-D0213ABFD203}" type="datetimeFigureOut">
               <a:rPr lang="en-US" smtClean="0"/>
-              <a:t>11/17/2014</a:t>
+              <a:t>11/18/2014</a:t>
             </a:fld>
             <a:endParaRPr lang="en-US"/>
           </a:p>
@@ -640,7 +640,7 @@
           <a:p>
             <a:fld id="{8BA64E5C-7A80-4AC4-9F4E-D0213ABFD203}" type="datetimeFigureOut">
               <a:rPr lang="en-US" smtClean="0"/>
-              <a:t>11/17/2014</a:t>
+              <a:t>11/18/2014</a:t>
             </a:fld>
             <a:endParaRPr lang="en-US"/>
           </a:p>
@@ -1039,7 +1039,7 @@
           <a:p>
             <a:fld id="{8BA64E5C-7A80-4AC4-9F4E-D0213ABFD203}" type="datetimeFigureOut">
               <a:rPr lang="en-US" smtClean="0"/>
-              <a:t>11/17/2014</a:t>
+              <a:t>11/18/2014</a:t>
             </a:fld>
             <a:endParaRPr lang="en-US"/>
           </a:p>
@@ -1373,7 +1373,7 @@
           <a:p>
             <a:fld id="{8BA64E5C-7A80-4AC4-9F4E-D0213ABFD203}" type="datetimeFigureOut">
               <a:rPr lang="en-US" smtClean="0"/>
-              <a:t>11/17/2014</a:t>
+              <a:t>11/18/2014</a:t>
             </a:fld>
             <a:endParaRPr lang="en-US"/>
           </a:p>
@@ -1691,7 +1691,7 @@
           <a:p>
             <a:fld id="{8BA64E5C-7A80-4AC4-9F4E-D0213ABFD203}" type="datetimeFigureOut">
               <a:rPr lang="en-US" smtClean="0"/>
-              <a:t>11/17/2014</a:t>
+              <a:t>11/18/2014</a:t>
             </a:fld>
             <a:endParaRPr lang="en-US"/>
           </a:p>
@@ -2085,7 +2085,7 @@
           <a:p>
             <a:fld id="{8BA64E5C-7A80-4AC4-9F4E-D0213ABFD203}" type="datetimeFigureOut">
               <a:rPr lang="en-US" smtClean="0"/>
-              <a:t>11/17/2014</a:t>
+              <a:t>11/18/2014</a:t>
             </a:fld>
             <a:endParaRPr lang="en-US"/>
           </a:p>
@@ -2340,7 +2340,7 @@
           <a:p>
             <a:fld id="{8BA64E5C-7A80-4AC4-9F4E-D0213ABFD203}" type="datetimeFigureOut">
               <a:rPr lang="en-US" smtClean="0"/>
-              <a:t>11/17/2014</a:t>
+              <a:t>11/18/2014</a:t>
             </a:fld>
             <a:endParaRPr lang="en-US"/>
           </a:p>
@@ -2600,7 +2600,7 @@
           <a:p>
             <a:fld id="{8BA64E5C-7A80-4AC4-9F4E-D0213ABFD203}" type="datetimeFigureOut">
               <a:rPr lang="en-US" smtClean="0"/>
-              <a:t>11/17/2014</a:t>
+              <a:t>11/18/2014</a:t>
             </a:fld>
             <a:endParaRPr lang="en-US"/>
           </a:p>
@@ -2860,7 +2860,7 @@
           <a:p>
             <a:fld id="{8BA64E5C-7A80-4AC4-9F4E-D0213ABFD203}" type="datetimeFigureOut">
               <a:rPr lang="en-US" smtClean="0"/>
-              <a:t>11/17/2014</a:t>
+              <a:t>11/18/2014</a:t>
             </a:fld>
             <a:endParaRPr lang="en-US"/>
           </a:p>
@@ -3187,7 +3187,7 @@
           <a:p>
             <a:fld id="{8BA64E5C-7A80-4AC4-9F4E-D0213ABFD203}" type="datetimeFigureOut">
               <a:rPr lang="en-US" smtClean="0"/>
-              <a:t>11/17/2014</a:t>
+              <a:t>11/18/2014</a:t>
             </a:fld>
             <a:endParaRPr lang="en-US"/>
           </a:p>
@@ -3508,7 +3508,7 @@
           <a:p>
             <a:fld id="{8BA64E5C-7A80-4AC4-9F4E-D0213ABFD203}" type="datetimeFigureOut">
               <a:rPr lang="en-US" smtClean="0"/>
-              <a:t>11/17/2014</a:t>
+              <a:t>11/18/2014</a:t>
             </a:fld>
             <a:endParaRPr lang="en-US"/>
           </a:p>
@@ -3963,7 +3963,7 @@
           <a:p>
             <a:fld id="{8BA64E5C-7A80-4AC4-9F4E-D0213ABFD203}" type="datetimeFigureOut">
               <a:rPr lang="en-US" smtClean="0"/>
-              <a:t>11/17/2014</a:t>
+              <a:t>11/18/2014</a:t>
             </a:fld>
             <a:endParaRPr lang="en-US"/>
           </a:p>
@@ -4171,7 +4171,7 @@
           <a:p>
             <a:fld id="{8BA64E5C-7A80-4AC4-9F4E-D0213ABFD203}" type="datetimeFigureOut">
               <a:rPr lang="en-US" smtClean="0"/>
-              <a:t>11/17/2014</a:t>
+              <a:t>11/18/2014</a:t>
             </a:fld>
             <a:endParaRPr lang="en-US"/>
           </a:p>
@@ -4346,7 +4346,7 @@
           <a:p>
             <a:fld id="{8BA64E5C-7A80-4AC4-9F4E-D0213ABFD203}" type="datetimeFigureOut">
               <a:rPr lang="en-US" smtClean="0"/>
-              <a:t>11/17/2014</a:t>
+              <a:t>11/18/2014</a:t>
             </a:fld>
             <a:endParaRPr lang="en-US"/>
           </a:p>
@@ -4677,7 +4677,7 @@
           <a:p>
             <a:fld id="{8BA64E5C-7A80-4AC4-9F4E-D0213ABFD203}" type="datetimeFigureOut">
               <a:rPr lang="en-US" smtClean="0"/>
-              <a:t>11/17/2014</a:t>
+              <a:t>11/18/2014</a:t>
             </a:fld>
             <a:endParaRPr lang="en-US"/>
           </a:p>
@@ -5020,7 +5020,7 @@
           <a:p>
             <a:fld id="{8BA64E5C-7A80-4AC4-9F4E-D0213ABFD203}" type="datetimeFigureOut">
               <a:rPr lang="en-US" smtClean="0"/>
-              <a:t>11/17/2014</a:t>
+              <a:t>11/18/2014</a:t>
             </a:fld>
             <a:endParaRPr lang="en-US"/>
           </a:p>
@@ -7135,7 +7135,7 @@
           <a:p>
             <a:fld id="{8BA64E5C-7A80-4AC4-9F4E-D0213ABFD203}" type="datetimeFigureOut">
               <a:rPr lang="en-US" smtClean="0"/>
-              <a:t>11/17/2014</a:t>
+              <a:t>11/18/2014</a:t>
             </a:fld>
             <a:endParaRPr lang="en-US"/>
           </a:p>
@@ -7933,7 +7933,324 @@
   <p:timing>
     <p:tnLst>
       <p:par>
-        <p:cTn id="1" dur="indefinite" restart="never" nodeType="tmRoot"/>
+        <p:cTn id="1" dur="indefinite" restart="never" nodeType="tmRoot">
+          <p:childTnLst>
+            <p:seq concurrent="1" nextAc="seek">
+              <p:cTn id="2" dur="indefinite" nodeType="mainSeq">
+                <p:childTnLst>
+                  <p:par>
+                    <p:cTn id="3" fill="hold">
+                      <p:stCondLst>
+                        <p:cond delay="indefinite"/>
+                      </p:stCondLst>
+                      <p:childTnLst>
+                        <p:par>
+                          <p:cTn id="4" fill="hold">
+                            <p:stCondLst>
+                              <p:cond delay="0"/>
+                            </p:stCondLst>
+                            <p:childTnLst>
+                              <p:par>
+                                <p:cTn id="5" presetID="10" presetClass="entr" presetSubtype="0" fill="hold" nodeType="clickEffect">
+                                  <p:stCondLst>
+                                    <p:cond delay="0"/>
+                                  </p:stCondLst>
+                                  <p:childTnLst>
+                                    <p:set>
+                                      <p:cBhvr>
+                                        <p:cTn id="6" dur="1" fill="hold">
+                                          <p:stCondLst>
+                                            <p:cond delay="0"/>
+                                          </p:stCondLst>
+                                        </p:cTn>
+                                        <p:tgtEl>
+                                          <p:spTgt spid="3">
+                                            <p:txEl>
+                                              <p:pRg st="0" end="0"/>
+                                            </p:txEl>
+                                          </p:spTgt>
+                                        </p:tgtEl>
+                                        <p:attrNameLst>
+                                          <p:attrName>style.visibility</p:attrName>
+                                        </p:attrNameLst>
+                                      </p:cBhvr>
+                                      <p:to>
+                                        <p:strVal val="visible"/>
+                                      </p:to>
+                                    </p:set>
+                                    <p:animEffect transition="in" filter="fade">
+                                      <p:cBhvr>
+                                        <p:cTn id="7" dur="500"/>
+                                        <p:tgtEl>
+                                          <p:spTgt spid="3">
+                                            <p:txEl>
+                                              <p:pRg st="0" end="0"/>
+                                            </p:txEl>
+                                          </p:spTgt>
+                                        </p:tgtEl>
+                                      </p:cBhvr>
+                                    </p:animEffect>
+                                  </p:childTnLst>
+                                </p:cTn>
+                              </p:par>
+                              <p:par>
+                                <p:cTn id="8" presetID="10" presetClass="entr" presetSubtype="0" fill="hold" nodeType="withEffect">
+                                  <p:stCondLst>
+                                    <p:cond delay="0"/>
+                                  </p:stCondLst>
+                                  <p:childTnLst>
+                                    <p:set>
+                                      <p:cBhvr>
+                                        <p:cTn id="9" dur="1" fill="hold">
+                                          <p:stCondLst>
+                                            <p:cond delay="0"/>
+                                          </p:stCondLst>
+                                        </p:cTn>
+                                        <p:tgtEl>
+                                          <p:spTgt spid="3">
+                                            <p:txEl>
+                                              <p:pRg st="1" end="1"/>
+                                            </p:txEl>
+                                          </p:spTgt>
+                                        </p:tgtEl>
+                                        <p:attrNameLst>
+                                          <p:attrName>style.visibility</p:attrName>
+                                        </p:attrNameLst>
+                                      </p:cBhvr>
+                                      <p:to>
+                                        <p:strVal val="visible"/>
+                                      </p:to>
+                                    </p:set>
+                                    <p:animEffect transition="in" filter="fade">
+                                      <p:cBhvr>
+                                        <p:cTn id="10" dur="500"/>
+                                        <p:tgtEl>
+                                          <p:spTgt spid="3">
+                                            <p:txEl>
+                                              <p:pRg st="1" end="1"/>
+                                            </p:txEl>
+                                          </p:spTgt>
+                                        </p:tgtEl>
+                                      </p:cBhvr>
+                                    </p:animEffect>
+                                  </p:childTnLst>
+                                </p:cTn>
+                              </p:par>
+                              <p:par>
+                                <p:cTn id="11" presetID="10" presetClass="entr" presetSubtype="0" fill="hold" nodeType="withEffect">
+                                  <p:stCondLst>
+                                    <p:cond delay="0"/>
+                                  </p:stCondLst>
+                                  <p:childTnLst>
+                                    <p:set>
+                                      <p:cBhvr>
+                                        <p:cTn id="12" dur="1" fill="hold">
+                                          <p:stCondLst>
+                                            <p:cond delay="0"/>
+                                          </p:stCondLst>
+                                        </p:cTn>
+                                        <p:tgtEl>
+                                          <p:spTgt spid="3">
+                                            <p:txEl>
+                                              <p:pRg st="2" end="2"/>
+                                            </p:txEl>
+                                          </p:spTgt>
+                                        </p:tgtEl>
+                                        <p:attrNameLst>
+                                          <p:attrName>style.visibility</p:attrName>
+                                        </p:attrNameLst>
+                                      </p:cBhvr>
+                                      <p:to>
+                                        <p:strVal val="visible"/>
+                                      </p:to>
+                                    </p:set>
+                                    <p:animEffect transition="in" filter="fade">
+                                      <p:cBhvr>
+                                        <p:cTn id="13" dur="500"/>
+                                        <p:tgtEl>
+                                          <p:spTgt spid="3">
+                                            <p:txEl>
+                                              <p:pRg st="2" end="2"/>
+                                            </p:txEl>
+                                          </p:spTgt>
+                                        </p:tgtEl>
+                                      </p:cBhvr>
+                                    </p:animEffect>
+                                  </p:childTnLst>
+                                </p:cTn>
+                              </p:par>
+                              <p:par>
+                                <p:cTn id="14" presetID="10" presetClass="entr" presetSubtype="0" fill="hold" nodeType="withEffect">
+                                  <p:stCondLst>
+                                    <p:cond delay="0"/>
+                                  </p:stCondLst>
+                                  <p:childTnLst>
+                                    <p:set>
+                                      <p:cBhvr>
+                                        <p:cTn id="15" dur="1" fill="hold">
+                                          <p:stCondLst>
+                                            <p:cond delay="0"/>
+                                          </p:stCondLst>
+                                        </p:cTn>
+                                        <p:tgtEl>
+                                          <p:spTgt spid="3">
+                                            <p:txEl>
+                                              <p:pRg st="3" end="3"/>
+                                            </p:txEl>
+                                          </p:spTgt>
+                                        </p:tgtEl>
+                                        <p:attrNameLst>
+                                          <p:attrName>style.visibility</p:attrName>
+                                        </p:attrNameLst>
+                                      </p:cBhvr>
+                                      <p:to>
+                                        <p:strVal val="visible"/>
+                                      </p:to>
+                                    </p:set>
+                                    <p:animEffect transition="in" filter="fade">
+                                      <p:cBhvr>
+                                        <p:cTn id="16" dur="500"/>
+                                        <p:tgtEl>
+                                          <p:spTgt spid="3">
+                                            <p:txEl>
+                                              <p:pRg st="3" end="3"/>
+                                            </p:txEl>
+                                          </p:spTgt>
+                                        </p:tgtEl>
+                                      </p:cBhvr>
+                                    </p:animEffect>
+                                  </p:childTnLst>
+                                </p:cTn>
+                              </p:par>
+                            </p:childTnLst>
+                          </p:cTn>
+                        </p:par>
+                      </p:childTnLst>
+                    </p:cTn>
+                  </p:par>
+                  <p:par>
+                    <p:cTn id="17" fill="hold">
+                      <p:stCondLst>
+                        <p:cond delay="indefinite"/>
+                      </p:stCondLst>
+                      <p:childTnLst>
+                        <p:par>
+                          <p:cTn id="18" fill="hold">
+                            <p:stCondLst>
+                              <p:cond delay="0"/>
+                            </p:stCondLst>
+                            <p:childTnLst>
+                              <p:par>
+                                <p:cTn id="19" presetID="10" presetClass="entr" presetSubtype="0" fill="hold" nodeType="clickEffect">
+                                  <p:stCondLst>
+                                    <p:cond delay="0"/>
+                                  </p:stCondLst>
+                                  <p:childTnLst>
+                                    <p:set>
+                                      <p:cBhvr>
+                                        <p:cTn id="20" dur="1" fill="hold">
+                                          <p:stCondLst>
+                                            <p:cond delay="0"/>
+                                          </p:stCondLst>
+                                        </p:cTn>
+                                        <p:tgtEl>
+                                          <p:spTgt spid="3">
+                                            <p:txEl>
+                                              <p:pRg st="4" end="4"/>
+                                            </p:txEl>
+                                          </p:spTgt>
+                                        </p:tgtEl>
+                                        <p:attrNameLst>
+                                          <p:attrName>style.visibility</p:attrName>
+                                        </p:attrNameLst>
+                                      </p:cBhvr>
+                                      <p:to>
+                                        <p:strVal val="visible"/>
+                                      </p:to>
+                                    </p:set>
+                                    <p:animEffect transition="in" filter="fade">
+                                      <p:cBhvr>
+                                        <p:cTn id="21" dur="500"/>
+                                        <p:tgtEl>
+                                          <p:spTgt spid="3">
+                                            <p:txEl>
+                                              <p:pRg st="4" end="4"/>
+                                            </p:txEl>
+                                          </p:spTgt>
+                                        </p:tgtEl>
+                                      </p:cBhvr>
+                                    </p:animEffect>
+                                  </p:childTnLst>
+                                </p:cTn>
+                              </p:par>
+                              <p:par>
+                                <p:cTn id="22" presetID="10" presetClass="entr" presetSubtype="0" fill="hold" nodeType="withEffect">
+                                  <p:stCondLst>
+                                    <p:cond delay="0"/>
+                                  </p:stCondLst>
+                                  <p:childTnLst>
+                                    <p:set>
+                                      <p:cBhvr>
+                                        <p:cTn id="23" dur="1" fill="hold">
+                                          <p:stCondLst>
+                                            <p:cond delay="0"/>
+                                          </p:stCondLst>
+                                        </p:cTn>
+                                        <p:tgtEl>
+                                          <p:spTgt spid="3">
+                                            <p:txEl>
+                                              <p:pRg st="5" end="5"/>
+                                            </p:txEl>
+                                          </p:spTgt>
+                                        </p:tgtEl>
+                                        <p:attrNameLst>
+                                          <p:attrName>style.visibility</p:attrName>
+                                        </p:attrNameLst>
+                                      </p:cBhvr>
+                                      <p:to>
+                                        <p:strVal val="visible"/>
+                                      </p:to>
+                                    </p:set>
+                                    <p:animEffect transition="in" filter="fade">
+                                      <p:cBhvr>
+                                        <p:cTn id="24" dur="500"/>
+                                        <p:tgtEl>
+                                          <p:spTgt spid="3">
+                                            <p:txEl>
+                                              <p:pRg st="5" end="5"/>
+                                            </p:txEl>
+                                          </p:spTgt>
+                                        </p:tgtEl>
+                                      </p:cBhvr>
+                                    </p:animEffect>
+                                  </p:childTnLst>
+                                </p:cTn>
+                              </p:par>
+                            </p:childTnLst>
+                          </p:cTn>
+                        </p:par>
+                      </p:childTnLst>
+                    </p:cTn>
+                  </p:par>
+                </p:childTnLst>
+              </p:cTn>
+              <p:prevCondLst>
+                <p:cond evt="onPrev" delay="0">
+                  <p:tgtEl>
+                    <p:sldTgt/>
+                  </p:tgtEl>
+                </p:cond>
+              </p:prevCondLst>
+              <p:nextCondLst>
+                <p:cond evt="onNext" delay="0">
+                  <p:tgtEl>
+                    <p:sldTgt/>
+                  </p:tgtEl>
+                </p:cond>
+              </p:nextCondLst>
+            </p:seq>
+          </p:childTnLst>
+        </p:cTn>
       </p:par>
     </p:tnLst>
   </p:timing>
@@ -8015,15 +8332,7 @@
           <a:p>
             <a:r>
               <a:rPr lang="en-US" dirty="0" smtClean="0"/>
-              <a:t>First use a coarse mesh to cover the </a:t>
-            </a:r>
-            <a:r>
-              <a:rPr lang="en-US" dirty="0" smtClean="0"/>
-              <a:t>parameter space</a:t>
-            </a:r>
-            <a:r>
-              <a:rPr lang="en-US" dirty="0" smtClean="0"/>
-              <a:t>:</a:t>
+              <a:t>First use a coarse mesh to cover the parameter space:</a:t>
             </a:r>
           </a:p>
           <a:p>
@@ -8036,30 +8345,26 @@
           <a:p>
             <a:r>
               <a:rPr lang="en-US" dirty="0" smtClean="0"/>
-              <a:t>Because of the large amount of parameters </a:t>
-            </a:r>
+              <a:t>Because of the large amount of parameters and slow simulation the total time rapidly becomes prohibitive</a:t>
+            </a:r>
+          </a:p>
+          <a:p>
             <a:r>
               <a:rPr lang="en-US" dirty="0" smtClean="0"/>
-              <a:t>and slow simulation the total time rapidly becomes </a:t>
+              <a:t>We </a:t>
             </a:r>
             <a:r>
               <a:rPr lang="en-US" dirty="0" smtClean="0"/>
-              <a:t>prohibitive</a:t>
-            </a:r>
-            <a:endParaRPr lang="en-US" dirty="0" smtClean="0"/>
-          </a:p>
-          <a:p>
+              <a:t>would </a:t>
+            </a:r>
             <a:r>
               <a:rPr lang="en-US" dirty="0" smtClean="0"/>
-              <a:t>Even if we succeed in solving this, then this would only be a first iteration</a:t>
-            </a:r>
-          </a:p>
-          <a:p>
+              <a:t>then interpret </a:t>
+            </a:r>
             <a:r>
               <a:rPr lang="en-US" dirty="0" smtClean="0"/>
-              <a:t>We would have then have to interpret these results and set up a next experiment</a:t>
-            </a:r>
-            <a:endParaRPr lang="en-US" dirty="0" smtClean="0"/>
+              <a:t>these results and set up a next experiment</a:t>
+            </a:r>
           </a:p>
         </p:txBody>
       </p:sp>
@@ -8076,7 +8381,256 @@
   <p:timing>
     <p:tnLst>
       <p:par>
-        <p:cTn id="1" dur="indefinite" restart="never" nodeType="tmRoot"/>
+        <p:cTn id="1" dur="indefinite" restart="never" nodeType="tmRoot">
+          <p:childTnLst>
+            <p:seq concurrent="1" nextAc="seek">
+              <p:cTn id="2" dur="indefinite" nodeType="mainSeq">
+                <p:childTnLst>
+                  <p:par>
+                    <p:cTn id="3" fill="hold">
+                      <p:stCondLst>
+                        <p:cond delay="indefinite"/>
+                      </p:stCondLst>
+                      <p:childTnLst>
+                        <p:par>
+                          <p:cTn id="4" fill="hold">
+                            <p:stCondLst>
+                              <p:cond delay="0"/>
+                            </p:stCondLst>
+                            <p:childTnLst>
+                              <p:par>
+                                <p:cTn id="5" presetID="10" presetClass="entr" presetSubtype="0" fill="hold" nodeType="clickEffect">
+                                  <p:stCondLst>
+                                    <p:cond delay="0"/>
+                                  </p:stCondLst>
+                                  <p:childTnLst>
+                                    <p:set>
+                                      <p:cBhvr>
+                                        <p:cTn id="6" dur="1" fill="hold">
+                                          <p:stCondLst>
+                                            <p:cond delay="0"/>
+                                          </p:stCondLst>
+                                        </p:cTn>
+                                        <p:tgtEl>
+                                          <p:spTgt spid="3">
+                                            <p:txEl>
+                                              <p:pRg st="0" end="0"/>
+                                            </p:txEl>
+                                          </p:spTgt>
+                                        </p:tgtEl>
+                                        <p:attrNameLst>
+                                          <p:attrName>style.visibility</p:attrName>
+                                        </p:attrNameLst>
+                                      </p:cBhvr>
+                                      <p:to>
+                                        <p:strVal val="visible"/>
+                                      </p:to>
+                                    </p:set>
+                                    <p:animEffect transition="in" filter="fade">
+                                      <p:cBhvr>
+                                        <p:cTn id="7" dur="500"/>
+                                        <p:tgtEl>
+                                          <p:spTgt spid="3">
+                                            <p:txEl>
+                                              <p:pRg st="0" end="0"/>
+                                            </p:txEl>
+                                          </p:spTgt>
+                                        </p:tgtEl>
+                                      </p:cBhvr>
+                                    </p:animEffect>
+                                  </p:childTnLst>
+                                </p:cTn>
+                              </p:par>
+                              <p:par>
+                                <p:cTn id="8" presetID="10" presetClass="entr" presetSubtype="0" fill="hold" nodeType="withEffect">
+                                  <p:stCondLst>
+                                    <p:cond delay="0"/>
+                                  </p:stCondLst>
+                                  <p:childTnLst>
+                                    <p:set>
+                                      <p:cBhvr>
+                                        <p:cTn id="9" dur="1" fill="hold">
+                                          <p:stCondLst>
+                                            <p:cond delay="0"/>
+                                          </p:stCondLst>
+                                        </p:cTn>
+                                        <p:tgtEl>
+                                          <p:spTgt spid="3">
+                                            <p:txEl>
+                                              <p:pRg st="1" end="1"/>
+                                            </p:txEl>
+                                          </p:spTgt>
+                                        </p:tgtEl>
+                                        <p:attrNameLst>
+                                          <p:attrName>style.visibility</p:attrName>
+                                        </p:attrNameLst>
+                                      </p:cBhvr>
+                                      <p:to>
+                                        <p:strVal val="visible"/>
+                                      </p:to>
+                                    </p:set>
+                                    <p:animEffect transition="in" filter="fade">
+                                      <p:cBhvr>
+                                        <p:cTn id="10" dur="500"/>
+                                        <p:tgtEl>
+                                          <p:spTgt spid="3">
+                                            <p:txEl>
+                                              <p:pRg st="1" end="1"/>
+                                            </p:txEl>
+                                          </p:spTgt>
+                                        </p:tgtEl>
+                                      </p:cBhvr>
+                                    </p:animEffect>
+                                  </p:childTnLst>
+                                </p:cTn>
+                              </p:par>
+                            </p:childTnLst>
+                          </p:cTn>
+                        </p:par>
+                      </p:childTnLst>
+                    </p:cTn>
+                  </p:par>
+                  <p:par>
+                    <p:cTn id="11" fill="hold">
+                      <p:stCondLst>
+                        <p:cond delay="indefinite"/>
+                      </p:stCondLst>
+                      <p:childTnLst>
+                        <p:par>
+                          <p:cTn id="12" fill="hold">
+                            <p:stCondLst>
+                              <p:cond delay="0"/>
+                            </p:stCondLst>
+                            <p:childTnLst>
+                              <p:par>
+                                <p:cTn id="13" presetID="10" presetClass="entr" presetSubtype="0" fill="hold" nodeType="clickEffect">
+                                  <p:stCondLst>
+                                    <p:cond delay="0"/>
+                                  </p:stCondLst>
+                                  <p:childTnLst>
+                                    <p:set>
+                                      <p:cBhvr>
+                                        <p:cTn id="14" dur="1" fill="hold">
+                                          <p:stCondLst>
+                                            <p:cond delay="0"/>
+                                          </p:stCondLst>
+                                        </p:cTn>
+                                        <p:tgtEl>
+                                          <p:spTgt spid="3">
+                                            <p:txEl>
+                                              <p:pRg st="2" end="2"/>
+                                            </p:txEl>
+                                          </p:spTgt>
+                                        </p:tgtEl>
+                                        <p:attrNameLst>
+                                          <p:attrName>style.visibility</p:attrName>
+                                        </p:attrNameLst>
+                                      </p:cBhvr>
+                                      <p:to>
+                                        <p:strVal val="visible"/>
+                                      </p:to>
+                                    </p:set>
+                                    <p:animEffect transition="in" filter="fade">
+                                      <p:cBhvr>
+                                        <p:cTn id="15" dur="500"/>
+                                        <p:tgtEl>
+                                          <p:spTgt spid="3">
+                                            <p:txEl>
+                                              <p:pRg st="2" end="2"/>
+                                            </p:txEl>
+                                          </p:spTgt>
+                                        </p:tgtEl>
+                                      </p:cBhvr>
+                                    </p:animEffect>
+                                  </p:childTnLst>
+                                </p:cTn>
+                              </p:par>
+                            </p:childTnLst>
+                          </p:cTn>
+                        </p:par>
+                      </p:childTnLst>
+                    </p:cTn>
+                  </p:par>
+                  <p:par>
+                    <p:cTn id="16" fill="hold">
+                      <p:stCondLst>
+                        <p:cond delay="indefinite"/>
+                      </p:stCondLst>
+                      <p:childTnLst>
+                        <p:par>
+                          <p:cTn id="17" fill="hold">
+                            <p:stCondLst>
+                              <p:cond delay="0"/>
+                            </p:stCondLst>
+                            <p:childTnLst>
+                              <p:par>
+                                <p:cTn id="18" presetID="10" presetClass="entr" presetSubtype="0" fill="hold" nodeType="clickEffect">
+                                  <p:stCondLst>
+                                    <p:cond delay="0"/>
+                                  </p:stCondLst>
+                                  <p:childTnLst>
+                                    <p:set>
+                                      <p:cBhvr>
+                                        <p:cTn id="19" dur="1" fill="hold">
+                                          <p:stCondLst>
+                                            <p:cond delay="0"/>
+                                          </p:stCondLst>
+                                        </p:cTn>
+                                        <p:tgtEl>
+                                          <p:spTgt spid="3">
+                                            <p:txEl>
+                                              <p:pRg st="3" end="3"/>
+                                            </p:txEl>
+                                          </p:spTgt>
+                                        </p:tgtEl>
+                                        <p:attrNameLst>
+                                          <p:attrName>style.visibility</p:attrName>
+                                        </p:attrNameLst>
+                                      </p:cBhvr>
+                                      <p:to>
+                                        <p:strVal val="visible"/>
+                                      </p:to>
+                                    </p:set>
+                                    <p:animEffect transition="in" filter="fade">
+                                      <p:cBhvr>
+                                        <p:cTn id="20" dur="500"/>
+                                        <p:tgtEl>
+                                          <p:spTgt spid="3">
+                                            <p:txEl>
+                                              <p:pRg st="3" end="3"/>
+                                            </p:txEl>
+                                          </p:spTgt>
+                                        </p:tgtEl>
+                                      </p:cBhvr>
+                                    </p:animEffect>
+                                  </p:childTnLst>
+                                </p:cTn>
+                              </p:par>
+                            </p:childTnLst>
+                          </p:cTn>
+                        </p:par>
+                      </p:childTnLst>
+                    </p:cTn>
+                  </p:par>
+                </p:childTnLst>
+              </p:cTn>
+              <p:prevCondLst>
+                <p:cond evt="onPrev" delay="0">
+                  <p:tgtEl>
+                    <p:sldTgt/>
+                  </p:tgtEl>
+                </p:cond>
+              </p:prevCondLst>
+              <p:nextCondLst>
+                <p:cond evt="onNext" delay="0">
+                  <p:tgtEl>
+                    <p:sldTgt/>
+                  </p:tgtEl>
+                </p:cond>
+              </p:nextCondLst>
+            </p:seq>
+          </p:childTnLst>
+        </p:cTn>
       </p:par>
     </p:tnLst>
   </p:timing>
@@ -8158,14 +8712,28 @@
           <a:p>
             <a:r>
               <a:rPr lang="en-US" dirty="0" smtClean="0"/>
-              <a:t>The reason we thought this is not optimal is because it would never allow us to search the entire parameter space efficiently</a:t>
-            </a:r>
+              <a:t>We figured this will not work well</a:t>
+            </a:r>
+            <a:endParaRPr lang="en-US" dirty="0" smtClean="0"/>
           </a:p>
           <a:p>
             <a:r>
               <a:rPr lang="en-US" dirty="0" smtClean="0"/>
-              <a:t>To be feasible we would require a very crude mesh over the parameter space</a:t>
-            </a:r>
+              <a:t>To be </a:t>
+            </a:r>
+            <a:r>
+              <a:rPr lang="en-US" dirty="0" smtClean="0"/>
+              <a:t>fast enough we </a:t>
+            </a:r>
+            <a:r>
+              <a:rPr lang="en-US" dirty="0" smtClean="0"/>
+              <a:t>would require a very crude mesh over the parameter </a:t>
+            </a:r>
+            <a:r>
+              <a:rPr lang="en-US" dirty="0" smtClean="0"/>
+              <a:t>space</a:t>
+            </a:r>
+            <a:endParaRPr lang="en-US" dirty="0" smtClean="0"/>
           </a:p>
           <a:p>
             <a:r>
@@ -8176,10 +8744,12 @@
           <a:p>
             <a:r>
               <a:rPr lang="en-US" dirty="0" smtClean="0"/>
-              <a:t>It is exactly those manual selections we wish to avoid, since it would mean we incorporate our prejudices, which might be blind for emergent phenomena between several operators</a:t>
-            </a:r>
-          </a:p>
-          <a:p>
+              <a:t>It is exactly those manual selections we wish to </a:t>
+            </a:r>
+            <a:r>
+              <a:rPr lang="en-US" dirty="0" smtClean="0"/>
+              <a:t>avoid</a:t>
+            </a:r>
             <a:endParaRPr lang="en-US" dirty="0" smtClean="0"/>
           </a:p>
         </p:txBody>
@@ -8197,7 +8767,274 @@
   <p:timing>
     <p:tnLst>
       <p:par>
-        <p:cTn id="1" dur="indefinite" restart="never" nodeType="tmRoot"/>
+        <p:cTn id="1" dur="indefinite" restart="never" nodeType="tmRoot">
+          <p:childTnLst>
+            <p:seq concurrent="1" nextAc="seek">
+              <p:cTn id="2" dur="indefinite" nodeType="mainSeq">
+                <p:childTnLst>
+                  <p:par>
+                    <p:cTn id="3" fill="hold">
+                      <p:stCondLst>
+                        <p:cond delay="indefinite"/>
+                      </p:stCondLst>
+                      <p:childTnLst>
+                        <p:par>
+                          <p:cTn id="4" fill="hold">
+                            <p:stCondLst>
+                              <p:cond delay="0"/>
+                            </p:stCondLst>
+                            <p:childTnLst>
+                              <p:par>
+                                <p:cTn id="5" presetID="10" presetClass="entr" presetSubtype="0" fill="hold" nodeType="clickEffect">
+                                  <p:stCondLst>
+                                    <p:cond delay="0"/>
+                                  </p:stCondLst>
+                                  <p:childTnLst>
+                                    <p:set>
+                                      <p:cBhvr>
+                                        <p:cTn id="6" dur="1" fill="hold">
+                                          <p:stCondLst>
+                                            <p:cond delay="0"/>
+                                          </p:stCondLst>
+                                        </p:cTn>
+                                        <p:tgtEl>
+                                          <p:spTgt spid="3">
+                                            <p:txEl>
+                                              <p:pRg st="0" end="0"/>
+                                            </p:txEl>
+                                          </p:spTgt>
+                                        </p:tgtEl>
+                                        <p:attrNameLst>
+                                          <p:attrName>style.visibility</p:attrName>
+                                        </p:attrNameLst>
+                                      </p:cBhvr>
+                                      <p:to>
+                                        <p:strVal val="visible"/>
+                                      </p:to>
+                                    </p:set>
+                                    <p:animEffect transition="in" filter="fade">
+                                      <p:cBhvr>
+                                        <p:cTn id="7" dur="500"/>
+                                        <p:tgtEl>
+                                          <p:spTgt spid="3">
+                                            <p:txEl>
+                                              <p:pRg st="0" end="0"/>
+                                            </p:txEl>
+                                          </p:spTgt>
+                                        </p:tgtEl>
+                                      </p:cBhvr>
+                                    </p:animEffect>
+                                  </p:childTnLst>
+                                </p:cTn>
+                              </p:par>
+                            </p:childTnLst>
+                          </p:cTn>
+                        </p:par>
+                      </p:childTnLst>
+                    </p:cTn>
+                  </p:par>
+                  <p:par>
+                    <p:cTn id="8" fill="hold">
+                      <p:stCondLst>
+                        <p:cond delay="indefinite"/>
+                      </p:stCondLst>
+                      <p:childTnLst>
+                        <p:par>
+                          <p:cTn id="9" fill="hold">
+                            <p:stCondLst>
+                              <p:cond delay="0"/>
+                            </p:stCondLst>
+                            <p:childTnLst>
+                              <p:par>
+                                <p:cTn id="10" presetID="10" presetClass="entr" presetSubtype="0" fill="hold" nodeType="clickEffect">
+                                  <p:stCondLst>
+                                    <p:cond delay="0"/>
+                                  </p:stCondLst>
+                                  <p:childTnLst>
+                                    <p:set>
+                                      <p:cBhvr>
+                                        <p:cTn id="11" dur="1" fill="hold">
+                                          <p:stCondLst>
+                                            <p:cond delay="0"/>
+                                          </p:stCondLst>
+                                        </p:cTn>
+                                        <p:tgtEl>
+                                          <p:spTgt spid="3">
+                                            <p:txEl>
+                                              <p:pRg st="1" end="1"/>
+                                            </p:txEl>
+                                          </p:spTgt>
+                                        </p:tgtEl>
+                                        <p:attrNameLst>
+                                          <p:attrName>style.visibility</p:attrName>
+                                        </p:attrNameLst>
+                                      </p:cBhvr>
+                                      <p:to>
+                                        <p:strVal val="visible"/>
+                                      </p:to>
+                                    </p:set>
+                                    <p:animEffect transition="in" filter="fade">
+                                      <p:cBhvr>
+                                        <p:cTn id="12" dur="500"/>
+                                        <p:tgtEl>
+                                          <p:spTgt spid="3">
+                                            <p:txEl>
+                                              <p:pRg st="1" end="1"/>
+                                            </p:txEl>
+                                          </p:spTgt>
+                                        </p:tgtEl>
+                                      </p:cBhvr>
+                                    </p:animEffect>
+                                  </p:childTnLst>
+                                </p:cTn>
+                              </p:par>
+                            </p:childTnLst>
+                          </p:cTn>
+                        </p:par>
+                      </p:childTnLst>
+                    </p:cTn>
+                  </p:par>
+                  <p:par>
+                    <p:cTn id="13" fill="hold">
+                      <p:stCondLst>
+                        <p:cond delay="indefinite"/>
+                      </p:stCondLst>
+                      <p:childTnLst>
+                        <p:par>
+                          <p:cTn id="14" fill="hold">
+                            <p:stCondLst>
+                              <p:cond delay="0"/>
+                            </p:stCondLst>
+                            <p:childTnLst>
+                              <p:par>
+                                <p:cTn id="15" presetID="10" presetClass="entr" presetSubtype="0" fill="hold" nodeType="clickEffect">
+                                  <p:stCondLst>
+                                    <p:cond delay="0"/>
+                                  </p:stCondLst>
+                                  <p:childTnLst>
+                                    <p:set>
+                                      <p:cBhvr>
+                                        <p:cTn id="16" dur="1" fill="hold">
+                                          <p:stCondLst>
+                                            <p:cond delay="0"/>
+                                          </p:stCondLst>
+                                        </p:cTn>
+                                        <p:tgtEl>
+                                          <p:spTgt spid="3">
+                                            <p:txEl>
+                                              <p:pRg st="2" end="2"/>
+                                            </p:txEl>
+                                          </p:spTgt>
+                                        </p:tgtEl>
+                                        <p:attrNameLst>
+                                          <p:attrName>style.visibility</p:attrName>
+                                        </p:attrNameLst>
+                                      </p:cBhvr>
+                                      <p:to>
+                                        <p:strVal val="visible"/>
+                                      </p:to>
+                                    </p:set>
+                                    <p:animEffect transition="in" filter="fade">
+                                      <p:cBhvr>
+                                        <p:cTn id="17" dur="500"/>
+                                        <p:tgtEl>
+                                          <p:spTgt spid="3">
+                                            <p:txEl>
+                                              <p:pRg st="2" end="2"/>
+                                            </p:txEl>
+                                          </p:spTgt>
+                                        </p:tgtEl>
+                                      </p:cBhvr>
+                                    </p:animEffect>
+                                  </p:childTnLst>
+                                </p:cTn>
+                              </p:par>
+                            </p:childTnLst>
+                          </p:cTn>
+                        </p:par>
+                      </p:childTnLst>
+                    </p:cTn>
+                  </p:par>
+                  <p:par>
+                    <p:cTn id="18" fill="hold">
+                      <p:stCondLst>
+                        <p:cond delay="indefinite"/>
+                      </p:stCondLst>
+                      <p:childTnLst>
+                        <p:par>
+                          <p:cTn id="19" fill="hold">
+                            <p:stCondLst>
+                              <p:cond delay="0"/>
+                            </p:stCondLst>
+                            <p:childTnLst>
+                              <p:par>
+                                <p:cTn id="20" presetID="10" presetClass="entr" presetSubtype="0" fill="hold" nodeType="clickEffect">
+                                  <p:stCondLst>
+                                    <p:cond delay="0"/>
+                                  </p:stCondLst>
+                                  <p:childTnLst>
+                                    <p:set>
+                                      <p:cBhvr>
+                                        <p:cTn id="21" dur="1" fill="hold">
+                                          <p:stCondLst>
+                                            <p:cond delay="0"/>
+                                          </p:stCondLst>
+                                        </p:cTn>
+                                        <p:tgtEl>
+                                          <p:spTgt spid="3">
+                                            <p:txEl>
+                                              <p:pRg st="3" end="3"/>
+                                            </p:txEl>
+                                          </p:spTgt>
+                                        </p:tgtEl>
+                                        <p:attrNameLst>
+                                          <p:attrName>style.visibility</p:attrName>
+                                        </p:attrNameLst>
+                                      </p:cBhvr>
+                                      <p:to>
+                                        <p:strVal val="visible"/>
+                                      </p:to>
+                                    </p:set>
+                                    <p:animEffect transition="in" filter="fade">
+                                      <p:cBhvr>
+                                        <p:cTn id="22" dur="500"/>
+                                        <p:tgtEl>
+                                          <p:spTgt spid="3">
+                                            <p:txEl>
+                                              <p:pRg st="3" end="3"/>
+                                            </p:txEl>
+                                          </p:spTgt>
+                                        </p:tgtEl>
+                                      </p:cBhvr>
+                                    </p:animEffect>
+                                  </p:childTnLst>
+                                </p:cTn>
+                              </p:par>
+                            </p:childTnLst>
+                          </p:cTn>
+                        </p:par>
+                      </p:childTnLst>
+                    </p:cTn>
+                  </p:par>
+                </p:childTnLst>
+              </p:cTn>
+              <p:prevCondLst>
+                <p:cond evt="onPrev" delay="0">
+                  <p:tgtEl>
+                    <p:sldTgt/>
+                  </p:tgtEl>
+                </p:cond>
+              </p:prevCondLst>
+              <p:nextCondLst>
+                <p:cond evt="onNext" delay="0">
+                  <p:tgtEl>
+                    <p:sldTgt/>
+                  </p:tgtEl>
+                </p:cond>
+              </p:nextCondLst>
+            </p:seq>
+          </p:childTnLst>
+        </p:cTn>
       </p:par>
     </p:tnLst>
   </p:timing>
@@ -8257,23 +9094,17 @@
         <p:spPr/>
         <p:txBody>
           <a:bodyPr>
-            <a:normAutofit lnSpcReduction="10000"/>
+            <a:normAutofit/>
           </a:bodyPr>
           <a:lstStyle/>
           <a:p>
             <a:r>
               <a:rPr lang="en-US" dirty="0" smtClean="0"/>
-              <a:t>The problem </a:t>
+              <a:t>So </a:t>
             </a:r>
             <a:r>
               <a:rPr lang="en-US" dirty="0" smtClean="0"/>
-              <a:t>of a large parameter space with difficult relationships between different parameters seems very well suited for a GA approach</a:t>
-            </a:r>
-          </a:p>
-          <a:p>
-            <a:r>
-              <a:rPr lang="en-US" dirty="0" smtClean="0"/>
-              <a:t>So we decided to use a simple GA program to find good parameters for the TSP GA</a:t>
+              <a:t>we decided to use a simple GA program to find good parameters for the TSP GA</a:t>
             </a:r>
           </a:p>
           <a:p>
@@ -8285,8 +9116,28 @@
           <a:p>
             <a:r>
               <a:rPr lang="en-US" dirty="0" smtClean="0"/>
-              <a:t>Since we are no longer needed as an interpretation step, we can use more complex situations, with for instance multiple allowing multiple crossover and mutation operators at the same time, without the problem of guessing when there are emergent features at work and when not</a:t>
-            </a:r>
+              <a:t>Since we are no longer needed as an interpretation step, we can use more complex </a:t>
+            </a:r>
+            <a:r>
+              <a:rPr lang="en-US" dirty="0" smtClean="0"/>
+              <a:t>situations</a:t>
+            </a:r>
+          </a:p>
+          <a:p>
+            <a:pPr lvl="1"/>
+            <a:r>
+              <a:rPr lang="en-US" dirty="0" smtClean="0"/>
+              <a:t>We will for instance use multiple </a:t>
+            </a:r>
+            <a:r>
+              <a:rPr lang="en-US" dirty="0" smtClean="0"/>
+              <a:t>crossover and mutation operators at the same time, without the problem of guessing when there are emergent features at work and when </a:t>
+            </a:r>
+            <a:r>
+              <a:rPr lang="en-US" dirty="0" smtClean="0"/>
+              <a:t>not; the mega GA figures that out</a:t>
+            </a:r>
+            <a:endParaRPr lang="en-US" dirty="0" smtClean="0"/>
           </a:p>
           <a:p>
             <a:pPr lvl="1"/>
@@ -8313,7 +9164,256 @@
   <p:timing>
     <p:tnLst>
       <p:par>
-        <p:cTn id="1" dur="indefinite" restart="never" nodeType="tmRoot"/>
+        <p:cTn id="1" dur="indefinite" restart="never" nodeType="tmRoot">
+          <p:childTnLst>
+            <p:seq concurrent="1" nextAc="seek">
+              <p:cTn id="2" dur="indefinite" nodeType="mainSeq">
+                <p:childTnLst>
+                  <p:par>
+                    <p:cTn id="3" fill="hold">
+                      <p:stCondLst>
+                        <p:cond delay="indefinite"/>
+                      </p:stCondLst>
+                      <p:childTnLst>
+                        <p:par>
+                          <p:cTn id="4" fill="hold">
+                            <p:stCondLst>
+                              <p:cond delay="0"/>
+                            </p:stCondLst>
+                            <p:childTnLst>
+                              <p:par>
+                                <p:cTn id="5" presetID="10" presetClass="entr" presetSubtype="0" fill="hold" nodeType="clickEffect">
+                                  <p:stCondLst>
+                                    <p:cond delay="0"/>
+                                  </p:stCondLst>
+                                  <p:childTnLst>
+                                    <p:set>
+                                      <p:cBhvr>
+                                        <p:cTn id="6" dur="1" fill="hold">
+                                          <p:stCondLst>
+                                            <p:cond delay="0"/>
+                                          </p:stCondLst>
+                                        </p:cTn>
+                                        <p:tgtEl>
+                                          <p:spTgt spid="3">
+                                            <p:txEl>
+                                              <p:pRg st="0" end="0"/>
+                                            </p:txEl>
+                                          </p:spTgt>
+                                        </p:tgtEl>
+                                        <p:attrNameLst>
+                                          <p:attrName>style.visibility</p:attrName>
+                                        </p:attrNameLst>
+                                      </p:cBhvr>
+                                      <p:to>
+                                        <p:strVal val="visible"/>
+                                      </p:to>
+                                    </p:set>
+                                    <p:animEffect transition="in" filter="fade">
+                                      <p:cBhvr>
+                                        <p:cTn id="7" dur="500"/>
+                                        <p:tgtEl>
+                                          <p:spTgt spid="3">
+                                            <p:txEl>
+                                              <p:pRg st="0" end="0"/>
+                                            </p:txEl>
+                                          </p:spTgt>
+                                        </p:tgtEl>
+                                      </p:cBhvr>
+                                    </p:animEffect>
+                                  </p:childTnLst>
+                                </p:cTn>
+                              </p:par>
+                            </p:childTnLst>
+                          </p:cTn>
+                        </p:par>
+                      </p:childTnLst>
+                    </p:cTn>
+                  </p:par>
+                  <p:par>
+                    <p:cTn id="8" fill="hold">
+                      <p:stCondLst>
+                        <p:cond delay="indefinite"/>
+                      </p:stCondLst>
+                      <p:childTnLst>
+                        <p:par>
+                          <p:cTn id="9" fill="hold">
+                            <p:stCondLst>
+                              <p:cond delay="0"/>
+                            </p:stCondLst>
+                            <p:childTnLst>
+                              <p:par>
+                                <p:cTn id="10" presetID="10" presetClass="entr" presetSubtype="0" fill="hold" nodeType="clickEffect">
+                                  <p:stCondLst>
+                                    <p:cond delay="0"/>
+                                  </p:stCondLst>
+                                  <p:childTnLst>
+                                    <p:set>
+                                      <p:cBhvr>
+                                        <p:cTn id="11" dur="1" fill="hold">
+                                          <p:stCondLst>
+                                            <p:cond delay="0"/>
+                                          </p:stCondLst>
+                                        </p:cTn>
+                                        <p:tgtEl>
+                                          <p:spTgt spid="3">
+                                            <p:txEl>
+                                              <p:pRg st="1" end="1"/>
+                                            </p:txEl>
+                                          </p:spTgt>
+                                        </p:tgtEl>
+                                        <p:attrNameLst>
+                                          <p:attrName>style.visibility</p:attrName>
+                                        </p:attrNameLst>
+                                      </p:cBhvr>
+                                      <p:to>
+                                        <p:strVal val="visible"/>
+                                      </p:to>
+                                    </p:set>
+                                    <p:animEffect transition="in" filter="fade">
+                                      <p:cBhvr>
+                                        <p:cTn id="12" dur="500"/>
+                                        <p:tgtEl>
+                                          <p:spTgt spid="3">
+                                            <p:txEl>
+                                              <p:pRg st="1" end="1"/>
+                                            </p:txEl>
+                                          </p:spTgt>
+                                        </p:tgtEl>
+                                      </p:cBhvr>
+                                    </p:animEffect>
+                                  </p:childTnLst>
+                                </p:cTn>
+                              </p:par>
+                            </p:childTnLst>
+                          </p:cTn>
+                        </p:par>
+                      </p:childTnLst>
+                    </p:cTn>
+                  </p:par>
+                  <p:par>
+                    <p:cTn id="13" fill="hold">
+                      <p:stCondLst>
+                        <p:cond delay="indefinite"/>
+                      </p:stCondLst>
+                      <p:childTnLst>
+                        <p:par>
+                          <p:cTn id="14" fill="hold">
+                            <p:stCondLst>
+                              <p:cond delay="0"/>
+                            </p:stCondLst>
+                            <p:childTnLst>
+                              <p:par>
+                                <p:cTn id="15" presetID="10" presetClass="entr" presetSubtype="0" fill="hold" nodeType="clickEffect">
+                                  <p:stCondLst>
+                                    <p:cond delay="0"/>
+                                  </p:stCondLst>
+                                  <p:childTnLst>
+                                    <p:set>
+                                      <p:cBhvr>
+                                        <p:cTn id="16" dur="1" fill="hold">
+                                          <p:stCondLst>
+                                            <p:cond delay="0"/>
+                                          </p:stCondLst>
+                                        </p:cTn>
+                                        <p:tgtEl>
+                                          <p:spTgt spid="3">
+                                            <p:txEl>
+                                              <p:pRg st="2" end="2"/>
+                                            </p:txEl>
+                                          </p:spTgt>
+                                        </p:tgtEl>
+                                        <p:attrNameLst>
+                                          <p:attrName>style.visibility</p:attrName>
+                                        </p:attrNameLst>
+                                      </p:cBhvr>
+                                      <p:to>
+                                        <p:strVal val="visible"/>
+                                      </p:to>
+                                    </p:set>
+                                    <p:animEffect transition="in" filter="fade">
+                                      <p:cBhvr>
+                                        <p:cTn id="17" dur="500"/>
+                                        <p:tgtEl>
+                                          <p:spTgt spid="3">
+                                            <p:txEl>
+                                              <p:pRg st="2" end="2"/>
+                                            </p:txEl>
+                                          </p:spTgt>
+                                        </p:tgtEl>
+                                      </p:cBhvr>
+                                    </p:animEffect>
+                                  </p:childTnLst>
+                                </p:cTn>
+                              </p:par>
+                              <p:par>
+                                <p:cTn id="18" presetID="10" presetClass="entr" presetSubtype="0" fill="hold" nodeType="withEffect">
+                                  <p:stCondLst>
+                                    <p:cond delay="0"/>
+                                  </p:stCondLst>
+                                  <p:childTnLst>
+                                    <p:set>
+                                      <p:cBhvr>
+                                        <p:cTn id="19" dur="1" fill="hold">
+                                          <p:stCondLst>
+                                            <p:cond delay="0"/>
+                                          </p:stCondLst>
+                                        </p:cTn>
+                                        <p:tgtEl>
+                                          <p:spTgt spid="3">
+                                            <p:txEl>
+                                              <p:pRg st="3" end="3"/>
+                                            </p:txEl>
+                                          </p:spTgt>
+                                        </p:tgtEl>
+                                        <p:attrNameLst>
+                                          <p:attrName>style.visibility</p:attrName>
+                                        </p:attrNameLst>
+                                      </p:cBhvr>
+                                      <p:to>
+                                        <p:strVal val="visible"/>
+                                      </p:to>
+                                    </p:set>
+                                    <p:animEffect transition="in" filter="fade">
+                                      <p:cBhvr>
+                                        <p:cTn id="20" dur="500"/>
+                                        <p:tgtEl>
+                                          <p:spTgt spid="3">
+                                            <p:txEl>
+                                              <p:pRg st="3" end="3"/>
+                                            </p:txEl>
+                                          </p:spTgt>
+                                        </p:tgtEl>
+                                      </p:cBhvr>
+                                    </p:animEffect>
+                                  </p:childTnLst>
+                                </p:cTn>
+                              </p:par>
+                            </p:childTnLst>
+                          </p:cTn>
+                        </p:par>
+                      </p:childTnLst>
+                    </p:cTn>
+                  </p:par>
+                </p:childTnLst>
+              </p:cTn>
+              <p:prevCondLst>
+                <p:cond evt="onPrev" delay="0">
+                  <p:tgtEl>
+                    <p:sldTgt/>
+                  </p:tgtEl>
+                </p:cond>
+              </p:prevCondLst>
+              <p:nextCondLst>
+                <p:cond evt="onNext" delay="0">
+                  <p:tgtEl>
+                    <p:sldTgt/>
+                  </p:tgtEl>
+                </p:cond>
+              </p:nextCondLst>
+            </p:seq>
+          </p:childTnLst>
+        </p:cTn>
       </p:par>
     </p:tnLst>
   </p:timing>
@@ -8354,11 +9454,7 @@
           <a:p>
             <a:r>
               <a:rPr lang="en-US" dirty="0" smtClean="0"/>
-              <a:t>Meta </a:t>
-            </a:r>
-            <a:r>
-              <a:rPr lang="en-US" dirty="0" smtClean="0"/>
-              <a:t>GA: representation</a:t>
+              <a:t>Meta GA: representation</a:t>
             </a:r>
             <a:endParaRPr lang="en-US" dirty="0"/>
           </a:p>
@@ -8418,7 +9514,6 @@
               <a:rPr lang="en-US" dirty="0" smtClean="0"/>
               <a:t>This means our string contains integers together with real values and even function handles</a:t>
             </a:r>
-            <a:endParaRPr lang="en-US" dirty="0" smtClean="0"/>
           </a:p>
           <a:p>
             <a:endParaRPr lang="en-US" dirty="0" smtClean="0"/>
@@ -8441,7 +9536,342 @@
   <p:timing>
     <p:tnLst>
       <p:par>
-        <p:cTn id="1" dur="indefinite" restart="never" nodeType="tmRoot"/>
+        <p:cTn id="1" dur="indefinite" restart="never" nodeType="tmRoot">
+          <p:childTnLst>
+            <p:seq concurrent="1" nextAc="seek">
+              <p:cTn id="2" dur="indefinite" nodeType="mainSeq">
+                <p:childTnLst>
+                  <p:par>
+                    <p:cTn id="3" fill="hold">
+                      <p:stCondLst>
+                        <p:cond delay="indefinite"/>
+                      </p:stCondLst>
+                      <p:childTnLst>
+                        <p:par>
+                          <p:cTn id="4" fill="hold">
+                            <p:stCondLst>
+                              <p:cond delay="0"/>
+                            </p:stCondLst>
+                            <p:childTnLst>
+                              <p:par>
+                                <p:cTn id="5" presetID="10" presetClass="entr" presetSubtype="0" fill="hold" nodeType="clickEffect">
+                                  <p:stCondLst>
+                                    <p:cond delay="0"/>
+                                  </p:stCondLst>
+                                  <p:childTnLst>
+                                    <p:set>
+                                      <p:cBhvr>
+                                        <p:cTn id="6" dur="1" fill="hold">
+                                          <p:stCondLst>
+                                            <p:cond delay="0"/>
+                                          </p:stCondLst>
+                                        </p:cTn>
+                                        <p:tgtEl>
+                                          <p:spTgt spid="3">
+                                            <p:txEl>
+                                              <p:pRg st="0" end="0"/>
+                                            </p:txEl>
+                                          </p:spTgt>
+                                        </p:tgtEl>
+                                        <p:attrNameLst>
+                                          <p:attrName>style.visibility</p:attrName>
+                                        </p:attrNameLst>
+                                      </p:cBhvr>
+                                      <p:to>
+                                        <p:strVal val="visible"/>
+                                      </p:to>
+                                    </p:set>
+                                    <p:animEffect transition="in" filter="fade">
+                                      <p:cBhvr>
+                                        <p:cTn id="7" dur="500"/>
+                                        <p:tgtEl>
+                                          <p:spTgt spid="3">
+                                            <p:txEl>
+                                              <p:pRg st="0" end="0"/>
+                                            </p:txEl>
+                                          </p:spTgt>
+                                        </p:tgtEl>
+                                      </p:cBhvr>
+                                    </p:animEffect>
+                                  </p:childTnLst>
+                                </p:cTn>
+                              </p:par>
+                            </p:childTnLst>
+                          </p:cTn>
+                        </p:par>
+                      </p:childTnLst>
+                    </p:cTn>
+                  </p:par>
+                  <p:par>
+                    <p:cTn id="8" fill="hold">
+                      <p:stCondLst>
+                        <p:cond delay="indefinite"/>
+                      </p:stCondLst>
+                      <p:childTnLst>
+                        <p:par>
+                          <p:cTn id="9" fill="hold">
+                            <p:stCondLst>
+                              <p:cond delay="0"/>
+                            </p:stCondLst>
+                            <p:childTnLst>
+                              <p:par>
+                                <p:cTn id="10" presetID="10" presetClass="entr" presetSubtype="0" fill="hold" nodeType="clickEffect">
+                                  <p:stCondLst>
+                                    <p:cond delay="0"/>
+                                  </p:stCondLst>
+                                  <p:childTnLst>
+                                    <p:set>
+                                      <p:cBhvr>
+                                        <p:cTn id="11" dur="1" fill="hold">
+                                          <p:stCondLst>
+                                            <p:cond delay="0"/>
+                                          </p:stCondLst>
+                                        </p:cTn>
+                                        <p:tgtEl>
+                                          <p:spTgt spid="3">
+                                            <p:txEl>
+                                              <p:pRg st="1" end="1"/>
+                                            </p:txEl>
+                                          </p:spTgt>
+                                        </p:tgtEl>
+                                        <p:attrNameLst>
+                                          <p:attrName>style.visibility</p:attrName>
+                                        </p:attrNameLst>
+                                      </p:cBhvr>
+                                      <p:to>
+                                        <p:strVal val="visible"/>
+                                      </p:to>
+                                    </p:set>
+                                    <p:animEffect transition="in" filter="fade">
+                                      <p:cBhvr>
+                                        <p:cTn id="12" dur="500"/>
+                                        <p:tgtEl>
+                                          <p:spTgt spid="3">
+                                            <p:txEl>
+                                              <p:pRg st="1" end="1"/>
+                                            </p:txEl>
+                                          </p:spTgt>
+                                        </p:tgtEl>
+                                      </p:cBhvr>
+                                    </p:animEffect>
+                                  </p:childTnLst>
+                                </p:cTn>
+                              </p:par>
+                              <p:par>
+                                <p:cTn id="13" presetID="10" presetClass="entr" presetSubtype="0" fill="hold" nodeType="withEffect">
+                                  <p:stCondLst>
+                                    <p:cond delay="0"/>
+                                  </p:stCondLst>
+                                  <p:childTnLst>
+                                    <p:set>
+                                      <p:cBhvr>
+                                        <p:cTn id="14" dur="1" fill="hold">
+                                          <p:stCondLst>
+                                            <p:cond delay="0"/>
+                                          </p:stCondLst>
+                                        </p:cTn>
+                                        <p:tgtEl>
+                                          <p:spTgt spid="3">
+                                            <p:txEl>
+                                              <p:pRg st="2" end="2"/>
+                                            </p:txEl>
+                                          </p:spTgt>
+                                        </p:tgtEl>
+                                        <p:attrNameLst>
+                                          <p:attrName>style.visibility</p:attrName>
+                                        </p:attrNameLst>
+                                      </p:cBhvr>
+                                      <p:to>
+                                        <p:strVal val="visible"/>
+                                      </p:to>
+                                    </p:set>
+                                    <p:animEffect transition="in" filter="fade">
+                                      <p:cBhvr>
+                                        <p:cTn id="15" dur="500"/>
+                                        <p:tgtEl>
+                                          <p:spTgt spid="3">
+                                            <p:txEl>
+                                              <p:pRg st="2" end="2"/>
+                                            </p:txEl>
+                                          </p:spTgt>
+                                        </p:tgtEl>
+                                      </p:cBhvr>
+                                    </p:animEffect>
+                                  </p:childTnLst>
+                                </p:cTn>
+                              </p:par>
+                              <p:par>
+                                <p:cTn id="16" presetID="10" presetClass="entr" presetSubtype="0" fill="hold" nodeType="withEffect">
+                                  <p:stCondLst>
+                                    <p:cond delay="0"/>
+                                  </p:stCondLst>
+                                  <p:childTnLst>
+                                    <p:set>
+                                      <p:cBhvr>
+                                        <p:cTn id="17" dur="1" fill="hold">
+                                          <p:stCondLst>
+                                            <p:cond delay="0"/>
+                                          </p:stCondLst>
+                                        </p:cTn>
+                                        <p:tgtEl>
+                                          <p:spTgt spid="3">
+                                            <p:txEl>
+                                              <p:pRg st="3" end="3"/>
+                                            </p:txEl>
+                                          </p:spTgt>
+                                        </p:tgtEl>
+                                        <p:attrNameLst>
+                                          <p:attrName>style.visibility</p:attrName>
+                                        </p:attrNameLst>
+                                      </p:cBhvr>
+                                      <p:to>
+                                        <p:strVal val="visible"/>
+                                      </p:to>
+                                    </p:set>
+                                    <p:animEffect transition="in" filter="fade">
+                                      <p:cBhvr>
+                                        <p:cTn id="18" dur="500"/>
+                                        <p:tgtEl>
+                                          <p:spTgt spid="3">
+                                            <p:txEl>
+                                              <p:pRg st="3" end="3"/>
+                                            </p:txEl>
+                                          </p:spTgt>
+                                        </p:tgtEl>
+                                      </p:cBhvr>
+                                    </p:animEffect>
+                                  </p:childTnLst>
+                                </p:cTn>
+                              </p:par>
+                              <p:par>
+                                <p:cTn id="19" presetID="10" presetClass="entr" presetSubtype="0" fill="hold" nodeType="withEffect">
+                                  <p:stCondLst>
+                                    <p:cond delay="0"/>
+                                  </p:stCondLst>
+                                  <p:childTnLst>
+                                    <p:set>
+                                      <p:cBhvr>
+                                        <p:cTn id="20" dur="1" fill="hold">
+                                          <p:stCondLst>
+                                            <p:cond delay="0"/>
+                                          </p:stCondLst>
+                                        </p:cTn>
+                                        <p:tgtEl>
+                                          <p:spTgt spid="3">
+                                            <p:txEl>
+                                              <p:pRg st="4" end="4"/>
+                                            </p:txEl>
+                                          </p:spTgt>
+                                        </p:tgtEl>
+                                        <p:attrNameLst>
+                                          <p:attrName>style.visibility</p:attrName>
+                                        </p:attrNameLst>
+                                      </p:cBhvr>
+                                      <p:to>
+                                        <p:strVal val="visible"/>
+                                      </p:to>
+                                    </p:set>
+                                    <p:animEffect transition="in" filter="fade">
+                                      <p:cBhvr>
+                                        <p:cTn id="21" dur="500"/>
+                                        <p:tgtEl>
+                                          <p:spTgt spid="3">
+                                            <p:txEl>
+                                              <p:pRg st="4" end="4"/>
+                                            </p:txEl>
+                                          </p:spTgt>
+                                        </p:tgtEl>
+                                      </p:cBhvr>
+                                    </p:animEffect>
+                                  </p:childTnLst>
+                                </p:cTn>
+                              </p:par>
+                            </p:childTnLst>
+                          </p:cTn>
+                        </p:par>
+                      </p:childTnLst>
+                    </p:cTn>
+                  </p:par>
+                  <p:par>
+                    <p:cTn id="22" fill="hold">
+                      <p:stCondLst>
+                        <p:cond delay="indefinite"/>
+                      </p:stCondLst>
+                      <p:childTnLst>
+                        <p:par>
+                          <p:cTn id="23" fill="hold">
+                            <p:stCondLst>
+                              <p:cond delay="0"/>
+                            </p:stCondLst>
+                            <p:childTnLst>
+                              <p:par>
+                                <p:cTn id="24" presetID="10" presetClass="entr" presetSubtype="0" fill="hold" nodeType="clickEffect">
+                                  <p:stCondLst>
+                                    <p:cond delay="0"/>
+                                  </p:stCondLst>
+                                  <p:childTnLst>
+                                    <p:set>
+                                      <p:cBhvr>
+                                        <p:cTn id="25" dur="1" fill="hold">
+                                          <p:stCondLst>
+                                            <p:cond delay="0"/>
+                                          </p:stCondLst>
+                                        </p:cTn>
+                                        <p:tgtEl>
+                                          <p:spTgt spid="3">
+                                            <p:txEl>
+                                              <p:pRg st="5" end="5"/>
+                                            </p:txEl>
+                                          </p:spTgt>
+                                        </p:tgtEl>
+                                        <p:attrNameLst>
+                                          <p:attrName>style.visibility</p:attrName>
+                                        </p:attrNameLst>
+                                      </p:cBhvr>
+                                      <p:to>
+                                        <p:strVal val="visible"/>
+                                      </p:to>
+                                    </p:set>
+                                    <p:animEffect transition="in" filter="fade">
+                                      <p:cBhvr>
+                                        <p:cTn id="26" dur="500"/>
+                                        <p:tgtEl>
+                                          <p:spTgt spid="3">
+                                            <p:txEl>
+                                              <p:pRg st="5" end="5"/>
+                                            </p:txEl>
+                                          </p:spTgt>
+                                        </p:tgtEl>
+                                      </p:cBhvr>
+                                    </p:animEffect>
+                                  </p:childTnLst>
+                                </p:cTn>
+                              </p:par>
+                            </p:childTnLst>
+                          </p:cTn>
+                        </p:par>
+                      </p:childTnLst>
+                    </p:cTn>
+                  </p:par>
+                </p:childTnLst>
+              </p:cTn>
+              <p:prevCondLst>
+                <p:cond evt="onPrev" delay="0">
+                  <p:tgtEl>
+                    <p:sldTgt/>
+                  </p:tgtEl>
+                </p:cond>
+              </p:prevCondLst>
+              <p:nextCondLst>
+                <p:cond evt="onNext" delay="0">
+                  <p:tgtEl>
+                    <p:sldTgt/>
+                  </p:tgtEl>
+                </p:cond>
+              </p:nextCondLst>
+            </p:seq>
+          </p:childTnLst>
+        </p:cTn>
       </p:par>
     </p:tnLst>
   </p:timing>
@@ -8482,11 +9912,7 @@
           <a:p>
             <a:r>
               <a:rPr lang="en-US" dirty="0" smtClean="0"/>
-              <a:t>Meta </a:t>
-            </a:r>
-            <a:r>
-              <a:rPr lang="en-US" dirty="0" smtClean="0"/>
-              <a:t>GA: algorithm</a:t>
+              <a:t>Meta GA: algorithm</a:t>
             </a:r>
             <a:endParaRPr lang="en-US" dirty="0"/>
           </a:p>
@@ -8536,11 +9962,12 @@
             </a:r>
             <a:r>
               <a:rPr lang="en-US" dirty="0" smtClean="0"/>
-              <a:t>a ‘regularization’ term in the cost function</a:t>
-            </a:r>
-            <a:endParaRPr lang="en-US" dirty="0" smtClean="0"/>
-          </a:p>
-          <a:p>
+              <a:t>a ‘regularization’ term in the cost </a:t>
+            </a:r>
+            <a:r>
+              <a:rPr lang="en-US" dirty="0" smtClean="0"/>
+              <a:t>function</a:t>
+            </a:r>
             <a:endParaRPr lang="en-US" dirty="0" smtClean="0"/>
           </a:p>
         </p:txBody>
@@ -8558,7 +9985,213 @@
   <p:timing>
     <p:tnLst>
       <p:par>
-        <p:cTn id="1" dur="indefinite" restart="never" nodeType="tmRoot"/>
+        <p:cTn id="1" dur="indefinite" restart="never" nodeType="tmRoot">
+          <p:childTnLst>
+            <p:seq concurrent="1" nextAc="seek">
+              <p:cTn id="2" dur="indefinite" nodeType="mainSeq">
+                <p:childTnLst>
+                  <p:par>
+                    <p:cTn id="3" fill="hold">
+                      <p:stCondLst>
+                        <p:cond delay="indefinite"/>
+                      </p:stCondLst>
+                      <p:childTnLst>
+                        <p:par>
+                          <p:cTn id="4" fill="hold">
+                            <p:stCondLst>
+                              <p:cond delay="0"/>
+                            </p:stCondLst>
+                            <p:childTnLst>
+                              <p:par>
+                                <p:cTn id="5" presetID="10" presetClass="entr" presetSubtype="0" fill="hold" nodeType="clickEffect">
+                                  <p:stCondLst>
+                                    <p:cond delay="0"/>
+                                  </p:stCondLst>
+                                  <p:childTnLst>
+                                    <p:set>
+                                      <p:cBhvr>
+                                        <p:cTn id="6" dur="1" fill="hold">
+                                          <p:stCondLst>
+                                            <p:cond delay="0"/>
+                                          </p:stCondLst>
+                                        </p:cTn>
+                                        <p:tgtEl>
+                                          <p:spTgt spid="3">
+                                            <p:txEl>
+                                              <p:pRg st="0" end="0"/>
+                                            </p:txEl>
+                                          </p:spTgt>
+                                        </p:tgtEl>
+                                        <p:attrNameLst>
+                                          <p:attrName>style.visibility</p:attrName>
+                                        </p:attrNameLst>
+                                      </p:cBhvr>
+                                      <p:to>
+                                        <p:strVal val="visible"/>
+                                      </p:to>
+                                    </p:set>
+                                    <p:animEffect transition="in" filter="fade">
+                                      <p:cBhvr>
+                                        <p:cTn id="7" dur="500"/>
+                                        <p:tgtEl>
+                                          <p:spTgt spid="3">
+                                            <p:txEl>
+                                              <p:pRg st="0" end="0"/>
+                                            </p:txEl>
+                                          </p:spTgt>
+                                        </p:tgtEl>
+                                      </p:cBhvr>
+                                    </p:animEffect>
+                                  </p:childTnLst>
+                                </p:cTn>
+                              </p:par>
+                            </p:childTnLst>
+                          </p:cTn>
+                        </p:par>
+                      </p:childTnLst>
+                    </p:cTn>
+                  </p:par>
+                  <p:par>
+                    <p:cTn id="8" fill="hold">
+                      <p:stCondLst>
+                        <p:cond delay="indefinite"/>
+                      </p:stCondLst>
+                      <p:childTnLst>
+                        <p:par>
+                          <p:cTn id="9" fill="hold">
+                            <p:stCondLst>
+                              <p:cond delay="0"/>
+                            </p:stCondLst>
+                            <p:childTnLst>
+                              <p:par>
+                                <p:cTn id="10" presetID="10" presetClass="entr" presetSubtype="0" fill="hold" nodeType="clickEffect">
+                                  <p:stCondLst>
+                                    <p:cond delay="0"/>
+                                  </p:stCondLst>
+                                  <p:childTnLst>
+                                    <p:set>
+                                      <p:cBhvr>
+                                        <p:cTn id="11" dur="1" fill="hold">
+                                          <p:stCondLst>
+                                            <p:cond delay="0"/>
+                                          </p:stCondLst>
+                                        </p:cTn>
+                                        <p:tgtEl>
+                                          <p:spTgt spid="3">
+                                            <p:txEl>
+                                              <p:pRg st="1" end="1"/>
+                                            </p:txEl>
+                                          </p:spTgt>
+                                        </p:tgtEl>
+                                        <p:attrNameLst>
+                                          <p:attrName>style.visibility</p:attrName>
+                                        </p:attrNameLst>
+                                      </p:cBhvr>
+                                      <p:to>
+                                        <p:strVal val="visible"/>
+                                      </p:to>
+                                    </p:set>
+                                    <p:animEffect transition="in" filter="fade">
+                                      <p:cBhvr>
+                                        <p:cTn id="12" dur="500"/>
+                                        <p:tgtEl>
+                                          <p:spTgt spid="3">
+                                            <p:txEl>
+                                              <p:pRg st="1" end="1"/>
+                                            </p:txEl>
+                                          </p:spTgt>
+                                        </p:tgtEl>
+                                      </p:cBhvr>
+                                    </p:animEffect>
+                                  </p:childTnLst>
+                                </p:cTn>
+                              </p:par>
+                            </p:childTnLst>
+                          </p:cTn>
+                        </p:par>
+                      </p:childTnLst>
+                    </p:cTn>
+                  </p:par>
+                  <p:par>
+                    <p:cTn id="13" fill="hold">
+                      <p:stCondLst>
+                        <p:cond delay="indefinite"/>
+                      </p:stCondLst>
+                      <p:childTnLst>
+                        <p:par>
+                          <p:cTn id="14" fill="hold">
+                            <p:stCondLst>
+                              <p:cond delay="0"/>
+                            </p:stCondLst>
+                            <p:childTnLst>
+                              <p:par>
+                                <p:cTn id="15" presetID="10" presetClass="entr" presetSubtype="0" fill="hold" nodeType="clickEffect">
+                                  <p:stCondLst>
+                                    <p:cond delay="0"/>
+                                  </p:stCondLst>
+                                  <p:childTnLst>
+                                    <p:set>
+                                      <p:cBhvr>
+                                        <p:cTn id="16" dur="1" fill="hold">
+                                          <p:stCondLst>
+                                            <p:cond delay="0"/>
+                                          </p:stCondLst>
+                                        </p:cTn>
+                                        <p:tgtEl>
+                                          <p:spTgt spid="3">
+                                            <p:txEl>
+                                              <p:pRg st="2" end="2"/>
+                                            </p:txEl>
+                                          </p:spTgt>
+                                        </p:tgtEl>
+                                        <p:attrNameLst>
+                                          <p:attrName>style.visibility</p:attrName>
+                                        </p:attrNameLst>
+                                      </p:cBhvr>
+                                      <p:to>
+                                        <p:strVal val="visible"/>
+                                      </p:to>
+                                    </p:set>
+                                    <p:animEffect transition="in" filter="fade">
+                                      <p:cBhvr>
+                                        <p:cTn id="17" dur="500"/>
+                                        <p:tgtEl>
+                                          <p:spTgt spid="3">
+                                            <p:txEl>
+                                              <p:pRg st="2" end="2"/>
+                                            </p:txEl>
+                                          </p:spTgt>
+                                        </p:tgtEl>
+                                      </p:cBhvr>
+                                    </p:animEffect>
+                                  </p:childTnLst>
+                                </p:cTn>
+                              </p:par>
+                            </p:childTnLst>
+                          </p:cTn>
+                        </p:par>
+                      </p:childTnLst>
+                    </p:cTn>
+                  </p:par>
+                </p:childTnLst>
+              </p:cTn>
+              <p:prevCondLst>
+                <p:cond evt="onPrev" delay="0">
+                  <p:tgtEl>
+                    <p:sldTgt/>
+                  </p:tgtEl>
+                </p:cond>
+              </p:prevCondLst>
+              <p:nextCondLst>
+                <p:cond evt="onNext" delay="0">
+                  <p:tgtEl>
+                    <p:sldTgt/>
+                  </p:tgtEl>
+                </p:cond>
+              </p:nextCondLst>
+            </p:seq>
+          </p:childTnLst>
+        </p:cTn>
       </p:par>
     </p:tnLst>
   </p:timing>
@@ -8624,22 +10257,17 @@
           <a:p>
             <a:r>
               <a:rPr lang="en-US" dirty="0" smtClean="0"/>
-              <a:t>We should incorporate a cost for the run time of the </a:t>
-            </a:r>
+              <a:t>We should incorporate a cost for the run time of the simulation otherwise the algorithm would have a tendency towards higher </a:t>
+            </a:r>
+          </a:p>
+          <a:p>
             <a:r>
               <a:rPr lang="en-US" dirty="0" smtClean="0"/>
-              <a:t>simulation otherwise the algorithm would have a tendency towards higher </a:t>
-            </a:r>
-            <a:endParaRPr lang="en-US" dirty="0" smtClean="0"/>
-          </a:p>
-          <a:p>
+              <a:t>We used an explicit </a:t>
+            </a:r>
             <a:r>
               <a:rPr lang="en-US" dirty="0" smtClean="0"/>
-              <a:t>Now we work with an explicit time </a:t>
-            </a:r>
-            <a:r>
-              <a:rPr lang="en-US" dirty="0" smtClean="0"/>
-              <a:t>cost (tic </a:t>
+              <a:t>time cost (tic </a:t>
             </a:r>
             <a:r>
               <a:rPr lang="en-US" dirty="0" err="1" smtClean="0"/>
@@ -8660,29 +10288,55 @@
           <a:p>
             <a:r>
               <a:rPr lang="en-US" dirty="0" smtClean="0"/>
-              <a:t>Better is to have something deterministic</a:t>
-            </a:r>
+              <a:t>We need a deterministic ‘time cost’</a:t>
+            </a:r>
+            <a:endParaRPr lang="en-US" dirty="0" smtClean="0"/>
           </a:p>
           <a:p>
             <a:pPr lvl="1"/>
             <a:r>
               <a:rPr lang="en-US" dirty="0" smtClean="0"/>
-              <a:t>E.g. punish large values for the number of individuals or large values for heavy operators</a:t>
+              <a:t>E.g</a:t>
+            </a:r>
+            <a:r>
+              <a:rPr lang="en-US" dirty="0" smtClean="0"/>
+              <a:t>. punish large values for the number of individuals or large values for heavy operators</a:t>
             </a:r>
           </a:p>
           <a:p>
             <a:pPr lvl="1"/>
             <a:r>
               <a:rPr lang="en-US" dirty="0" smtClean="0"/>
-              <a:t>This gives us more parameter, exactly the issue we tried to solve by using a meta GA</a:t>
+              <a:t>This gives us more </a:t>
+            </a:r>
+            <a:r>
+              <a:rPr lang="en-US" dirty="0" smtClean="0"/>
+              <a:t>parameters, </a:t>
+            </a:r>
+            <a:r>
+              <a:rPr lang="en-US" dirty="0" smtClean="0"/>
+              <a:t>exactly the issue we tried to solve by using a meta GA</a:t>
             </a:r>
           </a:p>
           <a:p>
             <a:pPr lvl="1"/>
             <a:r>
               <a:rPr lang="en-US" dirty="0" smtClean="0"/>
-              <a:t>But we can find these parameters exactly by measuring a mean time each of the steps cost</a:t>
-            </a:r>
+              <a:t>But we can find these parameters exactly by measuring a </a:t>
+            </a:r>
+            <a:r>
+              <a:rPr lang="en-US" b="1" dirty="0" smtClean="0"/>
+              <a:t>mean</a:t>
+            </a:r>
+            <a:r>
+              <a:rPr lang="en-US" dirty="0" smtClean="0"/>
+              <a:t> time each of the </a:t>
+            </a:r>
+            <a:r>
+              <a:rPr lang="en-US" dirty="0" smtClean="0"/>
+              <a:t>operations cost</a:t>
+            </a:r>
+            <a:endParaRPr lang="en-US" dirty="0" smtClean="0"/>
           </a:p>
         </p:txBody>
       </p:sp>
@@ -8699,7 +10353,385 @@
   <p:timing>
     <p:tnLst>
       <p:par>
-        <p:cTn id="1" dur="indefinite" restart="never" nodeType="tmRoot"/>
+        <p:cTn id="1" dur="indefinite" restart="never" nodeType="tmRoot">
+          <p:childTnLst>
+            <p:seq concurrent="1" nextAc="seek">
+              <p:cTn id="2" dur="indefinite" nodeType="mainSeq">
+                <p:childTnLst>
+                  <p:par>
+                    <p:cTn id="3" fill="hold">
+                      <p:stCondLst>
+                        <p:cond delay="indefinite"/>
+                      </p:stCondLst>
+                      <p:childTnLst>
+                        <p:par>
+                          <p:cTn id="4" fill="hold">
+                            <p:stCondLst>
+                              <p:cond delay="0"/>
+                            </p:stCondLst>
+                            <p:childTnLst>
+                              <p:par>
+                                <p:cTn id="5" presetID="10" presetClass="entr" presetSubtype="0" fill="hold" nodeType="clickEffect">
+                                  <p:stCondLst>
+                                    <p:cond delay="0"/>
+                                  </p:stCondLst>
+                                  <p:childTnLst>
+                                    <p:set>
+                                      <p:cBhvr>
+                                        <p:cTn id="6" dur="1" fill="hold">
+                                          <p:stCondLst>
+                                            <p:cond delay="0"/>
+                                          </p:stCondLst>
+                                        </p:cTn>
+                                        <p:tgtEl>
+                                          <p:spTgt spid="3">
+                                            <p:txEl>
+                                              <p:pRg st="0" end="0"/>
+                                            </p:txEl>
+                                          </p:spTgt>
+                                        </p:tgtEl>
+                                        <p:attrNameLst>
+                                          <p:attrName>style.visibility</p:attrName>
+                                        </p:attrNameLst>
+                                      </p:cBhvr>
+                                      <p:to>
+                                        <p:strVal val="visible"/>
+                                      </p:to>
+                                    </p:set>
+                                    <p:animEffect transition="in" filter="fade">
+                                      <p:cBhvr>
+                                        <p:cTn id="7" dur="500"/>
+                                        <p:tgtEl>
+                                          <p:spTgt spid="3">
+                                            <p:txEl>
+                                              <p:pRg st="0" end="0"/>
+                                            </p:txEl>
+                                          </p:spTgt>
+                                        </p:tgtEl>
+                                      </p:cBhvr>
+                                    </p:animEffect>
+                                  </p:childTnLst>
+                                </p:cTn>
+                              </p:par>
+                            </p:childTnLst>
+                          </p:cTn>
+                        </p:par>
+                      </p:childTnLst>
+                    </p:cTn>
+                  </p:par>
+                  <p:par>
+                    <p:cTn id="8" fill="hold">
+                      <p:stCondLst>
+                        <p:cond delay="indefinite"/>
+                      </p:stCondLst>
+                      <p:childTnLst>
+                        <p:par>
+                          <p:cTn id="9" fill="hold">
+                            <p:stCondLst>
+                              <p:cond delay="0"/>
+                            </p:stCondLst>
+                            <p:childTnLst>
+                              <p:par>
+                                <p:cTn id="10" presetID="10" presetClass="entr" presetSubtype="0" fill="hold" nodeType="clickEffect">
+                                  <p:stCondLst>
+                                    <p:cond delay="0"/>
+                                  </p:stCondLst>
+                                  <p:childTnLst>
+                                    <p:set>
+                                      <p:cBhvr>
+                                        <p:cTn id="11" dur="1" fill="hold">
+                                          <p:stCondLst>
+                                            <p:cond delay="0"/>
+                                          </p:stCondLst>
+                                        </p:cTn>
+                                        <p:tgtEl>
+                                          <p:spTgt spid="3">
+                                            <p:txEl>
+                                              <p:pRg st="1" end="1"/>
+                                            </p:txEl>
+                                          </p:spTgt>
+                                        </p:tgtEl>
+                                        <p:attrNameLst>
+                                          <p:attrName>style.visibility</p:attrName>
+                                        </p:attrNameLst>
+                                      </p:cBhvr>
+                                      <p:to>
+                                        <p:strVal val="visible"/>
+                                      </p:to>
+                                    </p:set>
+                                    <p:animEffect transition="in" filter="fade">
+                                      <p:cBhvr>
+                                        <p:cTn id="12" dur="500"/>
+                                        <p:tgtEl>
+                                          <p:spTgt spid="3">
+                                            <p:txEl>
+                                              <p:pRg st="1" end="1"/>
+                                            </p:txEl>
+                                          </p:spTgt>
+                                        </p:tgtEl>
+                                      </p:cBhvr>
+                                    </p:animEffect>
+                                  </p:childTnLst>
+                                </p:cTn>
+                              </p:par>
+                              <p:par>
+                                <p:cTn id="13" presetID="10" presetClass="entr" presetSubtype="0" fill="hold" nodeType="withEffect">
+                                  <p:stCondLst>
+                                    <p:cond delay="0"/>
+                                  </p:stCondLst>
+                                  <p:childTnLst>
+                                    <p:set>
+                                      <p:cBhvr>
+                                        <p:cTn id="14" dur="1" fill="hold">
+                                          <p:stCondLst>
+                                            <p:cond delay="0"/>
+                                          </p:stCondLst>
+                                        </p:cTn>
+                                        <p:tgtEl>
+                                          <p:spTgt spid="3">
+                                            <p:txEl>
+                                              <p:pRg st="2" end="2"/>
+                                            </p:txEl>
+                                          </p:spTgt>
+                                        </p:tgtEl>
+                                        <p:attrNameLst>
+                                          <p:attrName>style.visibility</p:attrName>
+                                        </p:attrNameLst>
+                                      </p:cBhvr>
+                                      <p:to>
+                                        <p:strVal val="visible"/>
+                                      </p:to>
+                                    </p:set>
+                                    <p:animEffect transition="in" filter="fade">
+                                      <p:cBhvr>
+                                        <p:cTn id="15" dur="500"/>
+                                        <p:tgtEl>
+                                          <p:spTgt spid="3">
+                                            <p:txEl>
+                                              <p:pRg st="2" end="2"/>
+                                            </p:txEl>
+                                          </p:spTgt>
+                                        </p:tgtEl>
+                                      </p:cBhvr>
+                                    </p:animEffect>
+                                  </p:childTnLst>
+                                </p:cTn>
+                              </p:par>
+                            </p:childTnLst>
+                          </p:cTn>
+                        </p:par>
+                      </p:childTnLst>
+                    </p:cTn>
+                  </p:par>
+                  <p:par>
+                    <p:cTn id="16" fill="hold">
+                      <p:stCondLst>
+                        <p:cond delay="indefinite"/>
+                      </p:stCondLst>
+                      <p:childTnLst>
+                        <p:par>
+                          <p:cTn id="17" fill="hold">
+                            <p:stCondLst>
+                              <p:cond delay="0"/>
+                            </p:stCondLst>
+                            <p:childTnLst>
+                              <p:par>
+                                <p:cTn id="18" presetID="10" presetClass="entr" presetSubtype="0" fill="hold" nodeType="clickEffect">
+                                  <p:stCondLst>
+                                    <p:cond delay="0"/>
+                                  </p:stCondLst>
+                                  <p:childTnLst>
+                                    <p:set>
+                                      <p:cBhvr>
+                                        <p:cTn id="19" dur="1" fill="hold">
+                                          <p:stCondLst>
+                                            <p:cond delay="0"/>
+                                          </p:stCondLst>
+                                        </p:cTn>
+                                        <p:tgtEl>
+                                          <p:spTgt spid="3">
+                                            <p:txEl>
+                                              <p:pRg st="3" end="3"/>
+                                            </p:txEl>
+                                          </p:spTgt>
+                                        </p:tgtEl>
+                                        <p:attrNameLst>
+                                          <p:attrName>style.visibility</p:attrName>
+                                        </p:attrNameLst>
+                                      </p:cBhvr>
+                                      <p:to>
+                                        <p:strVal val="visible"/>
+                                      </p:to>
+                                    </p:set>
+                                    <p:animEffect transition="in" filter="fade">
+                                      <p:cBhvr>
+                                        <p:cTn id="20" dur="500"/>
+                                        <p:tgtEl>
+                                          <p:spTgt spid="3">
+                                            <p:txEl>
+                                              <p:pRg st="3" end="3"/>
+                                            </p:txEl>
+                                          </p:spTgt>
+                                        </p:tgtEl>
+                                      </p:cBhvr>
+                                    </p:animEffect>
+                                  </p:childTnLst>
+                                </p:cTn>
+                              </p:par>
+                              <p:par>
+                                <p:cTn id="21" presetID="10" presetClass="entr" presetSubtype="0" fill="hold" nodeType="withEffect">
+                                  <p:stCondLst>
+                                    <p:cond delay="0"/>
+                                  </p:stCondLst>
+                                  <p:childTnLst>
+                                    <p:set>
+                                      <p:cBhvr>
+                                        <p:cTn id="22" dur="1" fill="hold">
+                                          <p:stCondLst>
+                                            <p:cond delay="0"/>
+                                          </p:stCondLst>
+                                        </p:cTn>
+                                        <p:tgtEl>
+                                          <p:spTgt spid="3">
+                                            <p:txEl>
+                                              <p:pRg st="4" end="4"/>
+                                            </p:txEl>
+                                          </p:spTgt>
+                                        </p:tgtEl>
+                                        <p:attrNameLst>
+                                          <p:attrName>style.visibility</p:attrName>
+                                        </p:attrNameLst>
+                                      </p:cBhvr>
+                                      <p:to>
+                                        <p:strVal val="visible"/>
+                                      </p:to>
+                                    </p:set>
+                                    <p:animEffect transition="in" filter="fade">
+                                      <p:cBhvr>
+                                        <p:cTn id="23" dur="500"/>
+                                        <p:tgtEl>
+                                          <p:spTgt spid="3">
+                                            <p:txEl>
+                                              <p:pRg st="4" end="4"/>
+                                            </p:txEl>
+                                          </p:spTgt>
+                                        </p:tgtEl>
+                                      </p:cBhvr>
+                                    </p:animEffect>
+                                  </p:childTnLst>
+                                </p:cTn>
+                              </p:par>
+                              <p:par>
+                                <p:cTn id="24" presetID="10" presetClass="entr" presetSubtype="0" fill="hold" nodeType="withEffect">
+                                  <p:stCondLst>
+                                    <p:cond delay="0"/>
+                                  </p:stCondLst>
+                                  <p:childTnLst>
+                                    <p:set>
+                                      <p:cBhvr>
+                                        <p:cTn id="25" dur="1" fill="hold">
+                                          <p:stCondLst>
+                                            <p:cond delay="0"/>
+                                          </p:stCondLst>
+                                        </p:cTn>
+                                        <p:tgtEl>
+                                          <p:spTgt spid="3">
+                                            <p:txEl>
+                                              <p:pRg st="5" end="5"/>
+                                            </p:txEl>
+                                          </p:spTgt>
+                                        </p:tgtEl>
+                                        <p:attrNameLst>
+                                          <p:attrName>style.visibility</p:attrName>
+                                        </p:attrNameLst>
+                                      </p:cBhvr>
+                                      <p:to>
+                                        <p:strVal val="visible"/>
+                                      </p:to>
+                                    </p:set>
+                                    <p:animEffect transition="in" filter="fade">
+                                      <p:cBhvr>
+                                        <p:cTn id="26" dur="500"/>
+                                        <p:tgtEl>
+                                          <p:spTgt spid="3">
+                                            <p:txEl>
+                                              <p:pRg st="5" end="5"/>
+                                            </p:txEl>
+                                          </p:spTgt>
+                                        </p:tgtEl>
+                                      </p:cBhvr>
+                                    </p:animEffect>
+                                  </p:childTnLst>
+                                </p:cTn>
+                              </p:par>
+                              <p:par>
+                                <p:cTn id="27" presetID="10" presetClass="entr" presetSubtype="0" fill="hold" nodeType="withEffect">
+                                  <p:stCondLst>
+                                    <p:cond delay="0"/>
+                                  </p:stCondLst>
+                                  <p:childTnLst>
+                                    <p:set>
+                                      <p:cBhvr>
+                                        <p:cTn id="28" dur="1" fill="hold">
+                                          <p:stCondLst>
+                                            <p:cond delay="0"/>
+                                          </p:stCondLst>
+                                        </p:cTn>
+                                        <p:tgtEl>
+                                          <p:spTgt spid="3">
+                                            <p:txEl>
+                                              <p:pRg st="6" end="6"/>
+                                            </p:txEl>
+                                          </p:spTgt>
+                                        </p:tgtEl>
+                                        <p:attrNameLst>
+                                          <p:attrName>style.visibility</p:attrName>
+                                        </p:attrNameLst>
+                                      </p:cBhvr>
+                                      <p:to>
+                                        <p:strVal val="visible"/>
+                                      </p:to>
+                                    </p:set>
+                                    <p:animEffect transition="in" filter="fade">
+                                      <p:cBhvr>
+                                        <p:cTn id="29" dur="500"/>
+                                        <p:tgtEl>
+                                          <p:spTgt spid="3">
+                                            <p:txEl>
+                                              <p:pRg st="6" end="6"/>
+                                            </p:txEl>
+                                          </p:spTgt>
+                                        </p:tgtEl>
+                                      </p:cBhvr>
+                                    </p:animEffect>
+                                  </p:childTnLst>
+                                </p:cTn>
+                              </p:par>
+                            </p:childTnLst>
+                          </p:cTn>
+                        </p:par>
+                      </p:childTnLst>
+                    </p:cTn>
+                  </p:par>
+                </p:childTnLst>
+              </p:cTn>
+              <p:prevCondLst>
+                <p:cond evt="onPrev" delay="0">
+                  <p:tgtEl>
+                    <p:sldTgt/>
+                  </p:tgtEl>
+                </p:cond>
+              </p:prevCondLst>
+              <p:nextCondLst>
+                <p:cond evt="onNext" delay="0">
+                  <p:tgtEl>
+                    <p:sldTgt/>
+                  </p:tgtEl>
+                </p:cond>
+              </p:nextCondLst>
+            </p:seq>
+          </p:childTnLst>
+        </p:cTn>
       </p:par>
     </p:tnLst>
   </p:timing>
@@ -8763,17 +10795,23 @@
           <a:p>
             <a:r>
               <a:rPr lang="en-US" dirty="0" smtClean="0"/>
-              <a:t>Island </a:t>
-            </a:r>
+              <a:t>Island model</a:t>
+            </a:r>
+          </a:p>
+          <a:p>
             <a:r>
               <a:rPr lang="en-US" dirty="0" smtClean="0"/>
-              <a:t>model</a:t>
-            </a:r>
-          </a:p>
-          <a:p>
+              <a:t>Adaptive parameters over </a:t>
+            </a:r>
             <a:r>
               <a:rPr lang="en-US" dirty="0" smtClean="0"/>
-              <a:t>Adaptive parameters over time</a:t>
+              <a:t>time</a:t>
+            </a:r>
+          </a:p>
+          <a:p>
+            <a:r>
+              <a:rPr lang="en-US" dirty="0" smtClean="0"/>
+              <a:t>Go up three meta GA levels and meet God</a:t>
             </a:r>
             <a:endParaRPr lang="en-US" dirty="0" smtClean="0"/>
           </a:p>
@@ -8792,7 +10830,213 @@
   <p:timing>
     <p:tnLst>
       <p:par>
-        <p:cTn id="1" dur="indefinite" restart="never" nodeType="tmRoot"/>
+        <p:cTn id="1" dur="indefinite" restart="never" nodeType="tmRoot">
+          <p:childTnLst>
+            <p:seq concurrent="1" nextAc="seek">
+              <p:cTn id="2" dur="indefinite" nodeType="mainSeq">
+                <p:childTnLst>
+                  <p:par>
+                    <p:cTn id="3" fill="hold">
+                      <p:stCondLst>
+                        <p:cond delay="indefinite"/>
+                      </p:stCondLst>
+                      <p:childTnLst>
+                        <p:par>
+                          <p:cTn id="4" fill="hold">
+                            <p:stCondLst>
+                              <p:cond delay="0"/>
+                            </p:stCondLst>
+                            <p:childTnLst>
+                              <p:par>
+                                <p:cTn id="5" presetID="10" presetClass="entr" presetSubtype="0" fill="hold" nodeType="clickEffect">
+                                  <p:stCondLst>
+                                    <p:cond delay="0"/>
+                                  </p:stCondLst>
+                                  <p:childTnLst>
+                                    <p:set>
+                                      <p:cBhvr>
+                                        <p:cTn id="6" dur="1" fill="hold">
+                                          <p:stCondLst>
+                                            <p:cond delay="0"/>
+                                          </p:stCondLst>
+                                        </p:cTn>
+                                        <p:tgtEl>
+                                          <p:spTgt spid="3">
+                                            <p:txEl>
+                                              <p:pRg st="0" end="0"/>
+                                            </p:txEl>
+                                          </p:spTgt>
+                                        </p:tgtEl>
+                                        <p:attrNameLst>
+                                          <p:attrName>style.visibility</p:attrName>
+                                        </p:attrNameLst>
+                                      </p:cBhvr>
+                                      <p:to>
+                                        <p:strVal val="visible"/>
+                                      </p:to>
+                                    </p:set>
+                                    <p:animEffect transition="in" filter="fade">
+                                      <p:cBhvr>
+                                        <p:cTn id="7" dur="500"/>
+                                        <p:tgtEl>
+                                          <p:spTgt spid="3">
+                                            <p:txEl>
+                                              <p:pRg st="0" end="0"/>
+                                            </p:txEl>
+                                          </p:spTgt>
+                                        </p:tgtEl>
+                                      </p:cBhvr>
+                                    </p:animEffect>
+                                  </p:childTnLst>
+                                </p:cTn>
+                              </p:par>
+                            </p:childTnLst>
+                          </p:cTn>
+                        </p:par>
+                      </p:childTnLst>
+                    </p:cTn>
+                  </p:par>
+                  <p:par>
+                    <p:cTn id="8" fill="hold">
+                      <p:stCondLst>
+                        <p:cond delay="indefinite"/>
+                      </p:stCondLst>
+                      <p:childTnLst>
+                        <p:par>
+                          <p:cTn id="9" fill="hold">
+                            <p:stCondLst>
+                              <p:cond delay="0"/>
+                            </p:stCondLst>
+                            <p:childTnLst>
+                              <p:par>
+                                <p:cTn id="10" presetID="10" presetClass="entr" presetSubtype="0" fill="hold" nodeType="clickEffect">
+                                  <p:stCondLst>
+                                    <p:cond delay="0"/>
+                                  </p:stCondLst>
+                                  <p:childTnLst>
+                                    <p:set>
+                                      <p:cBhvr>
+                                        <p:cTn id="11" dur="1" fill="hold">
+                                          <p:stCondLst>
+                                            <p:cond delay="0"/>
+                                          </p:stCondLst>
+                                        </p:cTn>
+                                        <p:tgtEl>
+                                          <p:spTgt spid="3">
+                                            <p:txEl>
+                                              <p:pRg st="1" end="1"/>
+                                            </p:txEl>
+                                          </p:spTgt>
+                                        </p:tgtEl>
+                                        <p:attrNameLst>
+                                          <p:attrName>style.visibility</p:attrName>
+                                        </p:attrNameLst>
+                                      </p:cBhvr>
+                                      <p:to>
+                                        <p:strVal val="visible"/>
+                                      </p:to>
+                                    </p:set>
+                                    <p:animEffect transition="in" filter="fade">
+                                      <p:cBhvr>
+                                        <p:cTn id="12" dur="500"/>
+                                        <p:tgtEl>
+                                          <p:spTgt spid="3">
+                                            <p:txEl>
+                                              <p:pRg st="1" end="1"/>
+                                            </p:txEl>
+                                          </p:spTgt>
+                                        </p:tgtEl>
+                                      </p:cBhvr>
+                                    </p:animEffect>
+                                  </p:childTnLst>
+                                </p:cTn>
+                              </p:par>
+                            </p:childTnLst>
+                          </p:cTn>
+                        </p:par>
+                      </p:childTnLst>
+                    </p:cTn>
+                  </p:par>
+                  <p:par>
+                    <p:cTn id="13" fill="hold">
+                      <p:stCondLst>
+                        <p:cond delay="indefinite"/>
+                      </p:stCondLst>
+                      <p:childTnLst>
+                        <p:par>
+                          <p:cTn id="14" fill="hold">
+                            <p:stCondLst>
+                              <p:cond delay="0"/>
+                            </p:stCondLst>
+                            <p:childTnLst>
+                              <p:par>
+                                <p:cTn id="15" presetID="10" presetClass="entr" presetSubtype="0" fill="hold" nodeType="clickEffect">
+                                  <p:stCondLst>
+                                    <p:cond delay="0"/>
+                                  </p:stCondLst>
+                                  <p:childTnLst>
+                                    <p:set>
+                                      <p:cBhvr>
+                                        <p:cTn id="16" dur="1" fill="hold">
+                                          <p:stCondLst>
+                                            <p:cond delay="0"/>
+                                          </p:stCondLst>
+                                        </p:cTn>
+                                        <p:tgtEl>
+                                          <p:spTgt spid="3">
+                                            <p:txEl>
+                                              <p:pRg st="2" end="2"/>
+                                            </p:txEl>
+                                          </p:spTgt>
+                                        </p:tgtEl>
+                                        <p:attrNameLst>
+                                          <p:attrName>style.visibility</p:attrName>
+                                        </p:attrNameLst>
+                                      </p:cBhvr>
+                                      <p:to>
+                                        <p:strVal val="visible"/>
+                                      </p:to>
+                                    </p:set>
+                                    <p:animEffect transition="in" filter="fade">
+                                      <p:cBhvr>
+                                        <p:cTn id="17" dur="500"/>
+                                        <p:tgtEl>
+                                          <p:spTgt spid="3">
+                                            <p:txEl>
+                                              <p:pRg st="2" end="2"/>
+                                            </p:txEl>
+                                          </p:spTgt>
+                                        </p:tgtEl>
+                                      </p:cBhvr>
+                                    </p:animEffect>
+                                  </p:childTnLst>
+                                </p:cTn>
+                              </p:par>
+                            </p:childTnLst>
+                          </p:cTn>
+                        </p:par>
+                      </p:childTnLst>
+                    </p:cTn>
+                  </p:par>
+                </p:childTnLst>
+              </p:cTn>
+              <p:prevCondLst>
+                <p:cond evt="onPrev" delay="0">
+                  <p:tgtEl>
+                    <p:sldTgt/>
+                  </p:tgtEl>
+                </p:cond>
+              </p:prevCondLst>
+              <p:nextCondLst>
+                <p:cond evt="onNext" delay="0">
+                  <p:tgtEl>
+                    <p:sldTgt/>
+                  </p:tgtEl>
+                </p:cond>
+              </p:nextCondLst>
+            </p:seq>
+          </p:childTnLst>
+        </p:cTn>
       </p:par>
     </p:tnLst>
   </p:timing>
